--- a/Slides/4_SMLandQuantization.pptx
+++ b/Slides/4_SMLandQuantization.pptx
@@ -207,7 +207,7 @@
           <a:p>
             <a:fld id="{9A3F7785-0B8E-DB48-AD24-94D16CEA6672}" type="datetimeFigureOut">
               <a:rPr lang="en-US" smtClean="0"/>
-              <a:t>2/25/24</a:t>
+              <a:t>2/26/24</a:t>
             </a:fld>
             <a:endParaRPr lang="en-US"/>
           </a:p>
@@ -2046,7 +2046,7 @@
           <a:p>
             <a:fld id="{8EFCB6B6-D1D9-3F4C-9FD7-9F220F5CEE19}" type="datetimeFigureOut">
               <a:rPr lang="en-US" smtClean="0"/>
-              <a:t>2/25/24</a:t>
+              <a:t>2/26/24</a:t>
             </a:fld>
             <a:endParaRPr lang="en-US"/>
           </a:p>
@@ -2246,7 +2246,7 @@
           <a:p>
             <a:fld id="{8EFCB6B6-D1D9-3F4C-9FD7-9F220F5CEE19}" type="datetimeFigureOut">
               <a:rPr lang="en-US" smtClean="0"/>
-              <a:t>2/25/24</a:t>
+              <a:t>2/26/24</a:t>
             </a:fld>
             <a:endParaRPr lang="en-US"/>
           </a:p>
@@ -2456,7 +2456,7 @@
           <a:p>
             <a:fld id="{8EFCB6B6-D1D9-3F4C-9FD7-9F220F5CEE19}" type="datetimeFigureOut">
               <a:rPr lang="en-US" smtClean="0"/>
-              <a:t>2/25/24</a:t>
+              <a:t>2/26/24</a:t>
             </a:fld>
             <a:endParaRPr lang="en-US"/>
           </a:p>
@@ -3379,7 +3379,7 @@
           <a:p>
             <a:fld id="{8EFCB6B6-D1D9-3F4C-9FD7-9F220F5CEE19}" type="datetimeFigureOut">
               <a:rPr lang="en-US" smtClean="0"/>
-              <a:t>2/25/24</a:t>
+              <a:t>2/26/24</a:t>
             </a:fld>
             <a:endParaRPr lang="en-US"/>
           </a:p>
@@ -3655,7 +3655,7 @@
           <a:p>
             <a:fld id="{8EFCB6B6-D1D9-3F4C-9FD7-9F220F5CEE19}" type="datetimeFigureOut">
               <a:rPr lang="en-US" smtClean="0"/>
-              <a:t>2/25/24</a:t>
+              <a:t>2/26/24</a:t>
             </a:fld>
             <a:endParaRPr lang="en-US"/>
           </a:p>
@@ -3923,7 +3923,7 @@
           <a:p>
             <a:fld id="{8EFCB6B6-D1D9-3F4C-9FD7-9F220F5CEE19}" type="datetimeFigureOut">
               <a:rPr lang="en-US" smtClean="0"/>
-              <a:t>2/25/24</a:t>
+              <a:t>2/26/24</a:t>
             </a:fld>
             <a:endParaRPr lang="en-US"/>
           </a:p>
@@ -4338,7 +4338,7 @@
           <a:p>
             <a:fld id="{8EFCB6B6-D1D9-3F4C-9FD7-9F220F5CEE19}" type="datetimeFigureOut">
               <a:rPr lang="en-US" smtClean="0"/>
-              <a:t>2/25/24</a:t>
+              <a:t>2/26/24</a:t>
             </a:fld>
             <a:endParaRPr lang="en-US"/>
           </a:p>
@@ -4480,7 +4480,7 @@
           <a:p>
             <a:fld id="{8EFCB6B6-D1D9-3F4C-9FD7-9F220F5CEE19}" type="datetimeFigureOut">
               <a:rPr lang="en-US" smtClean="0"/>
-              <a:t>2/25/24</a:t>
+              <a:t>2/26/24</a:t>
             </a:fld>
             <a:endParaRPr lang="en-US"/>
           </a:p>
@@ -4593,7 +4593,7 @@
           <a:p>
             <a:fld id="{8EFCB6B6-D1D9-3F4C-9FD7-9F220F5CEE19}" type="datetimeFigureOut">
               <a:rPr lang="en-US" smtClean="0"/>
-              <a:t>2/25/24</a:t>
+              <a:t>2/26/24</a:t>
             </a:fld>
             <a:endParaRPr lang="en-US"/>
           </a:p>
@@ -4906,7 +4906,7 @@
           <a:p>
             <a:fld id="{8EFCB6B6-D1D9-3F4C-9FD7-9F220F5CEE19}" type="datetimeFigureOut">
               <a:rPr lang="en-US" smtClean="0"/>
-              <a:t>2/25/24</a:t>
+              <a:t>2/26/24</a:t>
             </a:fld>
             <a:endParaRPr lang="en-US"/>
           </a:p>
@@ -5195,7 +5195,7 @@
           <a:p>
             <a:fld id="{8EFCB6B6-D1D9-3F4C-9FD7-9F220F5CEE19}" type="datetimeFigureOut">
               <a:rPr lang="en-US" smtClean="0"/>
-              <a:t>2/25/24</a:t>
+              <a:t>2/26/24</a:t>
             </a:fld>
             <a:endParaRPr lang="en-US"/>
           </a:p>
@@ -5438,7 +5438,7 @@
           <a:p>
             <a:fld id="{8EFCB6B6-D1D9-3F4C-9FD7-9F220F5CEE19}" type="datetimeFigureOut">
               <a:rPr lang="en-US" smtClean="0"/>
-              <a:t>2/25/24</a:t>
+              <a:t>2/26/24</a:t>
             </a:fld>
             <a:endParaRPr lang="en-US"/>
           </a:p>
@@ -5888,7 +5888,13 @@
           <a:p>
             <a:r>
               <a:rPr lang="en-GB" dirty="0"/>
-              <a:t>Small Language Models</a:t>
+              <a:t>Small Language Models &amp;</a:t>
+            </a:r>
+          </a:p>
+          <a:p>
+            <a:r>
+              <a:rPr lang="en-GB" dirty="0"/>
+              <a:t>Evaluation</a:t>
             </a:r>
           </a:p>
         </p:txBody>
@@ -6607,7 +6613,7 @@
               <a:buNone/>
             </a:pPr>
             <a:r>
-              <a:rPr lang="en-US" sz="3600" b="1" i="1" dirty="0">
+              <a:rPr lang="en-US" sz="3200" b="1" i="1" dirty="0">
                 <a:solidFill>
                   <a:srgbClr val="404040"/>
                 </a:solidFill>

--- a/Slides/4_SMLandQuantization.pptx
+++ b/Slides/4_SMLandQuantization.pptx
@@ -15,9 +15,9 @@
     <p:sldId id="315" r:id="rId6"/>
     <p:sldId id="316" r:id="rId7"/>
     <p:sldId id="317" r:id="rId8"/>
-    <p:sldId id="324" r:id="rId9"/>
-    <p:sldId id="325" r:id="rId10"/>
-    <p:sldId id="318" r:id="rId11"/>
+    <p:sldId id="318" r:id="rId9"/>
+    <p:sldId id="324" r:id="rId10"/>
+    <p:sldId id="325" r:id="rId11"/>
     <p:sldId id="311" r:id="rId12"/>
   </p:sldIdLst>
   <p:sldSz cx="12192000" cy="6858000"/>
@@ -207,7 +207,7 @@
           <a:p>
             <a:fld id="{9A3F7785-0B8E-DB48-AD24-94D16CEA6672}" type="datetimeFigureOut">
               <a:rPr lang="en-US" smtClean="0"/>
-              <a:t>2/26/24</a:t>
+              <a:t>2/20/24</a:t>
             </a:fld>
             <a:endParaRPr lang="en-US"/>
           </a:p>
@@ -855,9 +855,12 @@
           <a:p>
             <a:r>
               <a:rPr lang="en-GB" b="1" dirty="0"/>
-              <a:t>How would you evaluate the quality of the output from an LLM?</a:t>
-            </a:r>
-            <a:endParaRPr lang="en-GB" dirty="0"/>
+              <a:t>What do you really want?</a:t>
+            </a:r>
+            <a:r>
+              <a:rPr lang="en-GB" dirty="0"/>
+              <a:t> There is well-known problem on stack overflow called the XY problem. This occurs when a person tries to solve a problem on their own, pursues a method that seems like a promising approach, gets stuck, and then asks for help with their chosen method (instead of asking for help with the original problem).</a:t>
+            </a:r>
           </a:p>
           <a:p>
             <a:endParaRPr lang="en-GB" dirty="0"/>
@@ -1352,6 +1355,131 @@
         <p:cNvPr id="1" name="">
           <a:extLst>
             <a:ext uri="{FF2B5EF4-FFF2-40B4-BE49-F238E27FC236}">
+              <a16:creationId xmlns:a16="http://schemas.microsoft.com/office/drawing/2014/main" id="{A86A456D-2B86-CA91-E265-39C4B9A14A67}"/>
+            </a:ext>
+          </a:extLst>
+        </p:cNvPr>
+        <p:cNvGrpSpPr/>
+        <p:nvPr/>
+      </p:nvGrpSpPr>
+      <p:grpSpPr>
+        <a:xfrm>
+          <a:off x="0" y="0"/>
+          <a:ext cx="0" cy="0"/>
+          <a:chOff x="0" y="0"/>
+          <a:chExt cx="0" cy="0"/>
+        </a:xfrm>
+      </p:grpSpPr>
+      <p:sp>
+        <p:nvSpPr>
+          <p:cNvPr id="2" name="Slide Image Placeholder 1">
+            <a:extLst>
+              <a:ext uri="{FF2B5EF4-FFF2-40B4-BE49-F238E27FC236}">
+                <a16:creationId xmlns:a16="http://schemas.microsoft.com/office/drawing/2014/main" id="{6B995847-4D5C-CB41-D1D7-E534E987E295}"/>
+              </a:ext>
+            </a:extLst>
+          </p:cNvPr>
+          <p:cNvSpPr>
+            <a:spLocks noGrp="1" noRot="1" noChangeAspect="1"/>
+          </p:cNvSpPr>
+          <p:nvPr>
+            <p:ph type="sldImg"/>
+          </p:nvPr>
+        </p:nvSpPr>
+        <p:spPr/>
+      </p:sp>
+      <p:sp>
+        <p:nvSpPr>
+          <p:cNvPr id="3" name="Notes Placeholder 2">
+            <a:extLst>
+              <a:ext uri="{FF2B5EF4-FFF2-40B4-BE49-F238E27FC236}">
+                <a16:creationId xmlns:a16="http://schemas.microsoft.com/office/drawing/2014/main" id="{A4A52E05-6906-4A92-2FAC-64C3C807614C}"/>
+              </a:ext>
+            </a:extLst>
+          </p:cNvPr>
+          <p:cNvSpPr>
+            <a:spLocks noGrp="1"/>
+          </p:cNvSpPr>
+          <p:nvPr>
+            <p:ph type="body" idx="1"/>
+          </p:nvPr>
+        </p:nvSpPr>
+        <p:spPr/>
+        <p:txBody>
+          <a:bodyPr/>
+          <a:lstStyle/>
+          <a:p>
+            <a:r>
+              <a:rPr lang="en-US" dirty="0"/>
+              <a:t>Where can you find quantized models?</a:t>
+            </a:r>
+          </a:p>
+          <a:p>
+            <a:r>
+              <a:rPr lang="en-US" dirty="0"/>
+              <a:t>Hugging Face again. Tom </a:t>
+            </a:r>
+            <a:r>
+              <a:rPr lang="en-US" dirty="0" err="1"/>
+              <a:t>Jobbins</a:t>
+            </a:r>
+            <a:r>
+              <a:rPr lang="en-US" dirty="0"/>
+              <a:t>, AKA TheBloke, is responsible for quantizing almost every model out there today.</a:t>
+            </a:r>
+          </a:p>
+        </p:txBody>
+      </p:sp>
+      <p:sp>
+        <p:nvSpPr>
+          <p:cNvPr id="4" name="Slide Number Placeholder 3">
+            <a:extLst>
+              <a:ext uri="{FF2B5EF4-FFF2-40B4-BE49-F238E27FC236}">
+                <a16:creationId xmlns:a16="http://schemas.microsoft.com/office/drawing/2014/main" id="{2CA10173-37A7-2CBC-BDC1-D6DAB1829E0E}"/>
+              </a:ext>
+            </a:extLst>
+          </p:cNvPr>
+          <p:cNvSpPr>
+            <a:spLocks noGrp="1"/>
+          </p:cNvSpPr>
+          <p:nvPr>
+            <p:ph type="sldNum" sz="quarter" idx="5"/>
+          </p:nvPr>
+        </p:nvSpPr>
+        <p:spPr/>
+        <p:txBody>
+          <a:bodyPr/>
+          <a:lstStyle/>
+          <a:p>
+            <a:fld id="{FE27E4C1-A6EC-8946-BBCD-755D8945F25F}" type="slidenum">
+              <a:rPr lang="en-US" smtClean="0"/>
+              <a:t>8</a:t>
+            </a:fld>
+            <a:endParaRPr lang="en-US"/>
+          </a:p>
+        </p:txBody>
+      </p:sp>
+    </p:spTree>
+    <p:extLst>
+      <p:ext uri="{BB962C8B-B14F-4D97-AF65-F5344CB8AC3E}">
+        <p14:creationId xmlns:p14="http://schemas.microsoft.com/office/powerpoint/2010/main" val="2514510506"/>
+      </p:ext>
+    </p:extLst>
+  </p:cSld>
+  <p:clrMapOvr>
+    <a:masterClrMapping/>
+  </p:clrMapOvr>
+</p:notes>
+</file>
+
+<file path=ppt/notesSlides/notesSlide8.xml><?xml version="1.0" encoding="utf-8"?>
+<p:notes xmlns:a="http://schemas.openxmlformats.org/drawingml/2006/main" xmlns:r="http://schemas.openxmlformats.org/officeDocument/2006/relationships" xmlns:p="http://schemas.openxmlformats.org/presentationml/2006/main">
+  <p:cSld>
+    <p:spTree>
+      <p:nvGrpSpPr>
+        <p:cNvPr id="1" name="">
+          <a:extLst>
+            <a:ext uri="{FF2B5EF4-FFF2-40B4-BE49-F238E27FC236}">
               <a16:creationId xmlns:a16="http://schemas.microsoft.com/office/drawing/2014/main" id="{08EEDE06-118B-3FD7-BDF0-70E816E6B48C}"/>
             </a:ext>
           </a:extLst>
@@ -1456,7 +1584,7 @@
           <a:p>
             <a:fld id="{FE27E4C1-A6EC-8946-BBCD-755D8945F25F}" type="slidenum">
               <a:rPr lang="en-US" smtClean="0"/>
-              <a:t>8</a:t>
+              <a:t>9</a:t>
             </a:fld>
             <a:endParaRPr lang="en-US"/>
           </a:p>
@@ -1475,7 +1603,7 @@
 </p:notes>
 </file>
 
-<file path=ppt/notesSlides/notesSlide8.xml><?xml version="1.0" encoding="utf-8"?>
+<file path=ppt/notesSlides/notesSlide9.xml><?xml version="1.0" encoding="utf-8"?>
 <p:notes xmlns:a="http://schemas.openxmlformats.org/drawingml/2006/main" xmlns:r="http://schemas.openxmlformats.org/officeDocument/2006/relationships" xmlns:p="http://schemas.openxmlformats.org/presentationml/2006/main">
   <p:cSld>
     <p:spTree>
@@ -1614,7 +1742,7 @@
                 </a:r>
                 <a:r>
                   <a:rPr lang="en-US" baseline="0" dirty="0"/>
-                  <a:t> parameters. However, what happens on the forward and backward passes? We can’t add two different datatypes. In reality, the forward and backward passes are optimized in such a way that we only need to unquantized them bits at a time.</a:t>
+                  <a:t> parameters. However, what happens on the forward and backward passes? We can’t add two different datatypes</a:t>
                 </a:r>
                 <a:endParaRPr lang="en-US" dirty="0"/>
               </a:p>
@@ -1753,7 +1881,7 @@
           <a:p>
             <a:fld id="{FE27E4C1-A6EC-8946-BBCD-755D8945F25F}" type="slidenum">
               <a:rPr lang="en-US" smtClean="0"/>
-              <a:t>9</a:t>
+              <a:t>10</a:t>
             </a:fld>
             <a:endParaRPr lang="en-US"/>
           </a:p>
@@ -1763,131 +1891,6 @@
     <p:extLst>
       <p:ext uri="{BB962C8B-B14F-4D97-AF65-F5344CB8AC3E}">
         <p14:creationId xmlns:p14="http://schemas.microsoft.com/office/powerpoint/2010/main" val="356303731"/>
-      </p:ext>
-    </p:extLst>
-  </p:cSld>
-  <p:clrMapOvr>
-    <a:masterClrMapping/>
-  </p:clrMapOvr>
-</p:notes>
-</file>
-
-<file path=ppt/notesSlides/notesSlide9.xml><?xml version="1.0" encoding="utf-8"?>
-<p:notes xmlns:a="http://schemas.openxmlformats.org/drawingml/2006/main" xmlns:r="http://schemas.openxmlformats.org/officeDocument/2006/relationships" xmlns:p="http://schemas.openxmlformats.org/presentationml/2006/main">
-  <p:cSld>
-    <p:spTree>
-      <p:nvGrpSpPr>
-        <p:cNvPr id="1" name="">
-          <a:extLst>
-            <a:ext uri="{FF2B5EF4-FFF2-40B4-BE49-F238E27FC236}">
-              <a16:creationId xmlns:a16="http://schemas.microsoft.com/office/drawing/2014/main" id="{A86A456D-2B86-CA91-E265-39C4B9A14A67}"/>
-            </a:ext>
-          </a:extLst>
-        </p:cNvPr>
-        <p:cNvGrpSpPr/>
-        <p:nvPr/>
-      </p:nvGrpSpPr>
-      <p:grpSpPr>
-        <a:xfrm>
-          <a:off x="0" y="0"/>
-          <a:ext cx="0" cy="0"/>
-          <a:chOff x="0" y="0"/>
-          <a:chExt cx="0" cy="0"/>
-        </a:xfrm>
-      </p:grpSpPr>
-      <p:sp>
-        <p:nvSpPr>
-          <p:cNvPr id="2" name="Slide Image Placeholder 1">
-            <a:extLst>
-              <a:ext uri="{FF2B5EF4-FFF2-40B4-BE49-F238E27FC236}">
-                <a16:creationId xmlns:a16="http://schemas.microsoft.com/office/drawing/2014/main" id="{6B995847-4D5C-CB41-D1D7-E534E987E295}"/>
-              </a:ext>
-            </a:extLst>
-          </p:cNvPr>
-          <p:cNvSpPr>
-            <a:spLocks noGrp="1" noRot="1" noChangeAspect="1"/>
-          </p:cNvSpPr>
-          <p:nvPr>
-            <p:ph type="sldImg"/>
-          </p:nvPr>
-        </p:nvSpPr>
-        <p:spPr/>
-      </p:sp>
-      <p:sp>
-        <p:nvSpPr>
-          <p:cNvPr id="3" name="Notes Placeholder 2">
-            <a:extLst>
-              <a:ext uri="{FF2B5EF4-FFF2-40B4-BE49-F238E27FC236}">
-                <a16:creationId xmlns:a16="http://schemas.microsoft.com/office/drawing/2014/main" id="{A4A52E05-6906-4A92-2FAC-64C3C807614C}"/>
-              </a:ext>
-            </a:extLst>
-          </p:cNvPr>
-          <p:cNvSpPr>
-            <a:spLocks noGrp="1"/>
-          </p:cNvSpPr>
-          <p:nvPr>
-            <p:ph type="body" idx="1"/>
-          </p:nvPr>
-        </p:nvSpPr>
-        <p:spPr/>
-        <p:txBody>
-          <a:bodyPr/>
-          <a:lstStyle/>
-          <a:p>
-            <a:r>
-              <a:rPr lang="en-US" dirty="0"/>
-              <a:t>Where can you find quantized models?</a:t>
-            </a:r>
-          </a:p>
-          <a:p>
-            <a:r>
-              <a:rPr lang="en-US" dirty="0"/>
-              <a:t>Hugging Face again. Tom </a:t>
-            </a:r>
-            <a:r>
-              <a:rPr lang="en-US" dirty="0" err="1"/>
-              <a:t>Jobbins</a:t>
-            </a:r>
-            <a:r>
-              <a:rPr lang="en-US" dirty="0"/>
-              <a:t>, AKA TheBloke, is responsible for quantizing almost every model out there today.</a:t>
-            </a:r>
-          </a:p>
-        </p:txBody>
-      </p:sp>
-      <p:sp>
-        <p:nvSpPr>
-          <p:cNvPr id="4" name="Slide Number Placeholder 3">
-            <a:extLst>
-              <a:ext uri="{FF2B5EF4-FFF2-40B4-BE49-F238E27FC236}">
-                <a16:creationId xmlns:a16="http://schemas.microsoft.com/office/drawing/2014/main" id="{2CA10173-37A7-2CBC-BDC1-D6DAB1829E0E}"/>
-              </a:ext>
-            </a:extLst>
-          </p:cNvPr>
-          <p:cNvSpPr>
-            <a:spLocks noGrp="1"/>
-          </p:cNvSpPr>
-          <p:nvPr>
-            <p:ph type="sldNum" sz="quarter" idx="5"/>
-          </p:nvPr>
-        </p:nvSpPr>
-        <p:spPr/>
-        <p:txBody>
-          <a:bodyPr/>
-          <a:lstStyle/>
-          <a:p>
-            <a:fld id="{FE27E4C1-A6EC-8946-BBCD-755D8945F25F}" type="slidenum">
-              <a:rPr lang="en-US" smtClean="0"/>
-              <a:t>10</a:t>
-            </a:fld>
-            <a:endParaRPr lang="en-US"/>
-          </a:p>
-        </p:txBody>
-      </p:sp>
-    </p:spTree>
-    <p:extLst>
-      <p:ext uri="{BB962C8B-B14F-4D97-AF65-F5344CB8AC3E}">
-        <p14:creationId xmlns:p14="http://schemas.microsoft.com/office/powerpoint/2010/main" val="2514510506"/>
       </p:ext>
     </p:extLst>
   </p:cSld>
@@ -2046,7 +2049,7 @@
           <a:p>
             <a:fld id="{8EFCB6B6-D1D9-3F4C-9FD7-9F220F5CEE19}" type="datetimeFigureOut">
               <a:rPr lang="en-US" smtClean="0"/>
-              <a:t>2/26/24</a:t>
+              <a:t>2/20/24</a:t>
             </a:fld>
             <a:endParaRPr lang="en-US"/>
           </a:p>
@@ -2246,7 +2249,7 @@
           <a:p>
             <a:fld id="{8EFCB6B6-D1D9-3F4C-9FD7-9F220F5CEE19}" type="datetimeFigureOut">
               <a:rPr lang="en-US" smtClean="0"/>
-              <a:t>2/26/24</a:t>
+              <a:t>2/20/24</a:t>
             </a:fld>
             <a:endParaRPr lang="en-US"/>
           </a:p>
@@ -2456,7 +2459,7 @@
           <a:p>
             <a:fld id="{8EFCB6B6-D1D9-3F4C-9FD7-9F220F5CEE19}" type="datetimeFigureOut">
               <a:rPr lang="en-US" smtClean="0"/>
-              <a:t>2/26/24</a:t>
+              <a:t>2/20/24</a:t>
             </a:fld>
             <a:endParaRPr lang="en-US"/>
           </a:p>
@@ -3379,7 +3382,7 @@
           <a:p>
             <a:fld id="{8EFCB6B6-D1D9-3F4C-9FD7-9F220F5CEE19}" type="datetimeFigureOut">
               <a:rPr lang="en-US" smtClean="0"/>
-              <a:t>2/26/24</a:t>
+              <a:t>2/20/24</a:t>
             </a:fld>
             <a:endParaRPr lang="en-US"/>
           </a:p>
@@ -3655,7 +3658,7 @@
           <a:p>
             <a:fld id="{8EFCB6B6-D1D9-3F4C-9FD7-9F220F5CEE19}" type="datetimeFigureOut">
               <a:rPr lang="en-US" smtClean="0"/>
-              <a:t>2/26/24</a:t>
+              <a:t>2/20/24</a:t>
             </a:fld>
             <a:endParaRPr lang="en-US"/>
           </a:p>
@@ -3923,7 +3926,7 @@
           <a:p>
             <a:fld id="{8EFCB6B6-D1D9-3F4C-9FD7-9F220F5CEE19}" type="datetimeFigureOut">
               <a:rPr lang="en-US" smtClean="0"/>
-              <a:t>2/26/24</a:t>
+              <a:t>2/20/24</a:t>
             </a:fld>
             <a:endParaRPr lang="en-US"/>
           </a:p>
@@ -4338,7 +4341,7 @@
           <a:p>
             <a:fld id="{8EFCB6B6-D1D9-3F4C-9FD7-9F220F5CEE19}" type="datetimeFigureOut">
               <a:rPr lang="en-US" smtClean="0"/>
-              <a:t>2/26/24</a:t>
+              <a:t>2/20/24</a:t>
             </a:fld>
             <a:endParaRPr lang="en-US"/>
           </a:p>
@@ -4480,7 +4483,7 @@
           <a:p>
             <a:fld id="{8EFCB6B6-D1D9-3F4C-9FD7-9F220F5CEE19}" type="datetimeFigureOut">
               <a:rPr lang="en-US" smtClean="0"/>
-              <a:t>2/26/24</a:t>
+              <a:t>2/20/24</a:t>
             </a:fld>
             <a:endParaRPr lang="en-US"/>
           </a:p>
@@ -4593,7 +4596,7 @@
           <a:p>
             <a:fld id="{8EFCB6B6-D1D9-3F4C-9FD7-9F220F5CEE19}" type="datetimeFigureOut">
               <a:rPr lang="en-US" smtClean="0"/>
-              <a:t>2/26/24</a:t>
+              <a:t>2/20/24</a:t>
             </a:fld>
             <a:endParaRPr lang="en-US"/>
           </a:p>
@@ -4906,7 +4909,7 @@
           <a:p>
             <a:fld id="{8EFCB6B6-D1D9-3F4C-9FD7-9F220F5CEE19}" type="datetimeFigureOut">
               <a:rPr lang="en-US" smtClean="0"/>
-              <a:t>2/26/24</a:t>
+              <a:t>2/20/24</a:t>
             </a:fld>
             <a:endParaRPr lang="en-US"/>
           </a:p>
@@ -5195,7 +5198,7 @@
           <a:p>
             <a:fld id="{8EFCB6B6-D1D9-3F4C-9FD7-9F220F5CEE19}" type="datetimeFigureOut">
               <a:rPr lang="en-US" smtClean="0"/>
-              <a:t>2/26/24</a:t>
+              <a:t>2/20/24</a:t>
             </a:fld>
             <a:endParaRPr lang="en-US"/>
           </a:p>
@@ -5438,7 +5441,7 @@
           <a:p>
             <a:fld id="{8EFCB6B6-D1D9-3F4C-9FD7-9F220F5CEE19}" type="datetimeFigureOut">
               <a:rPr lang="en-US" smtClean="0"/>
-              <a:t>2/26/24</a:t>
+              <a:t>2/20/24</a:t>
             </a:fld>
             <a:endParaRPr lang="en-US"/>
           </a:p>
@@ -5888,13 +5891,7 @@
           <a:p>
             <a:r>
               <a:rPr lang="en-GB" dirty="0"/>
-              <a:t>Small Language Models &amp;</a:t>
-            </a:r>
-          </a:p>
-          <a:p>
-            <a:r>
-              <a:rPr lang="en-GB" dirty="0"/>
-              <a:t>Evaluation</a:t>
+              <a:t>Small Language Models</a:t>
             </a:r>
           </a:p>
         </p:txBody>
@@ -5920,7 +5917,7 @@
         <p:cNvPr id="1" name="">
           <a:extLst>
             <a:ext uri="{FF2B5EF4-FFF2-40B4-BE49-F238E27FC236}">
-              <a16:creationId xmlns:a16="http://schemas.microsoft.com/office/drawing/2014/main" id="{30B501A6-C72C-FC76-CAC1-8850F7441D1E}"/>
+              <a16:creationId xmlns:a16="http://schemas.microsoft.com/office/drawing/2014/main" id="{BDBBF850-107D-282E-30FD-084BA330FC4C}"/>
             </a:ext>
           </a:extLst>
         </p:cNvPr>
@@ -5940,7 +5937,7 @@
           <p:cNvPr id="2" name="Text Placeholder 1">
             <a:extLst>
               <a:ext uri="{FF2B5EF4-FFF2-40B4-BE49-F238E27FC236}">
-                <a16:creationId xmlns:a16="http://schemas.microsoft.com/office/drawing/2014/main" id="{42AE1744-7287-44F7-1B43-007630C502EB}"/>
+                <a16:creationId xmlns:a16="http://schemas.microsoft.com/office/drawing/2014/main" id="{C3319871-C6A8-A420-E723-76833D3383B6}"/>
               </a:ext>
             </a:extLst>
           </p:cNvPr>
@@ -5960,45 +5957,241 @@
           <a:p>
             <a:r>
               <a:rPr lang="en-US" dirty="0"/>
-              <a:t>Where to find quantized models.</a:t>
-            </a:r>
-          </a:p>
-        </p:txBody>
-      </p:sp>
-      <p:pic>
-        <p:nvPicPr>
-          <p:cNvPr id="6" name="Picture 5">
-            <a:extLst>
-              <a:ext uri="{FF2B5EF4-FFF2-40B4-BE49-F238E27FC236}">
-                <a16:creationId xmlns:a16="http://schemas.microsoft.com/office/drawing/2014/main" id="{208BDC3C-0D98-6B3D-8D04-8B4E03ADE824}"/>
-              </a:ext>
-            </a:extLst>
-          </p:cNvPr>
-          <p:cNvPicPr>
-            <a:picLocks noChangeAspect="1"/>
-          </p:cNvPicPr>
-          <p:nvPr/>
-        </p:nvPicPr>
-        <p:blipFill>
-          <a:blip r:embed="rId3"/>
-          <a:stretch>
-            <a:fillRect/>
-          </a:stretch>
-        </p:blipFill>
+              <a:t>QLoRA</a:t>
+            </a:r>
+          </a:p>
+        </p:txBody>
+      </p:sp>
+      <p:sp>
+        <p:nvSpPr>
+          <p:cNvPr id="4" name="Text Placeholder 3">
+            <a:extLst>
+              <a:ext uri="{FF2B5EF4-FFF2-40B4-BE49-F238E27FC236}">
+                <a16:creationId xmlns:a16="http://schemas.microsoft.com/office/drawing/2014/main" id="{7747B791-CE46-7B44-BE1D-4E4CCE432E3F}"/>
+              </a:ext>
+            </a:extLst>
+          </p:cNvPr>
+          <p:cNvSpPr>
+            <a:spLocks noGrp="1"/>
+          </p:cNvSpPr>
+          <p:nvPr>
+            <p:ph type="body" sz="quarter" idx="12"/>
+          </p:nvPr>
+        </p:nvSpPr>
         <p:spPr>
           <a:xfrm>
-            <a:off x="914400" y="1126067"/>
-            <a:ext cx="10363200" cy="4605867"/>
+            <a:off x="503659" y="1272210"/>
+            <a:ext cx="10542293" cy="4589329"/>
           </a:xfrm>
-          <a:prstGeom prst="rect">
-            <a:avLst/>
-          </a:prstGeom>
         </p:spPr>
-      </p:pic>
+        <p:txBody>
+          <a:bodyPr vert="horz" lIns="121920" tIns="60960" rIns="121920" bIns="60960" rtlCol="0" anchor="t">
+            <a:normAutofit fontScale="92500" lnSpcReduction="10000"/>
+          </a:bodyPr>
+          <a:lstStyle/>
+          <a:p>
+            <a:r>
+              <a:rPr lang="en-GB" dirty="0">
+                <a:solidFill>
+                  <a:srgbClr val="404040"/>
+                </a:solidFill>
+              </a:rPr>
+              <a:t>In </a:t>
+            </a:r>
+            <a:r>
+              <a:rPr lang="en-GB" dirty="0" err="1">
+                <a:solidFill>
+                  <a:srgbClr val="404040"/>
+                </a:solidFill>
+              </a:rPr>
+              <a:t>QLoRA</a:t>
+            </a:r>
+            <a:r>
+              <a:rPr lang="en-GB" dirty="0">
+                <a:solidFill>
+                  <a:srgbClr val="404040"/>
+                </a:solidFill>
+              </a:rPr>
+              <a:t>, we can take advantage of quantization </a:t>
+            </a:r>
+            <a:r>
+              <a:rPr lang="en-GB" b="1" i="1" dirty="0">
+                <a:solidFill>
+                  <a:srgbClr val="404040"/>
+                </a:solidFill>
+              </a:rPr>
+              <a:t>and</a:t>
+            </a:r>
+            <a:r>
+              <a:rPr lang="en-GB" dirty="0">
+                <a:solidFill>
+                  <a:srgbClr val="404040"/>
+                </a:solidFill>
+              </a:rPr>
+              <a:t> </a:t>
+            </a:r>
+            <a:r>
+              <a:rPr lang="en-GB" dirty="0" err="1">
+                <a:solidFill>
+                  <a:srgbClr val="404040"/>
+                </a:solidFill>
+              </a:rPr>
+              <a:t>LoRA</a:t>
+            </a:r>
+            <a:r>
+              <a:rPr lang="en-GB" dirty="0">
+                <a:solidFill>
+                  <a:srgbClr val="404040"/>
+                </a:solidFill>
+              </a:rPr>
+              <a:t>!</a:t>
+            </a:r>
+          </a:p>
+          <a:p>
+            <a:endParaRPr lang="en-GB" dirty="0">
+              <a:solidFill>
+                <a:srgbClr val="404040"/>
+              </a:solidFill>
+            </a:endParaRPr>
+          </a:p>
+          <a:p>
+            <a:r>
+              <a:rPr lang="en-GB" dirty="0">
+                <a:solidFill>
+                  <a:srgbClr val="404040"/>
+                </a:solidFill>
+              </a:rPr>
+              <a:t>First, obtain the low rank decomposition of the weights </a:t>
+            </a:r>
+            <a:r>
+              <a:rPr lang="en-GB" b="1" i="1" dirty="0">
+                <a:solidFill>
+                  <a:srgbClr val="404040"/>
+                </a:solidFill>
+              </a:rPr>
+              <a:t>and keep them in high precision</a:t>
+            </a:r>
+            <a:r>
+              <a:rPr lang="en-GB" dirty="0">
+                <a:solidFill>
+                  <a:srgbClr val="404040"/>
+                </a:solidFill>
+              </a:rPr>
+              <a:t>.</a:t>
+            </a:r>
+          </a:p>
+          <a:p>
+            <a:endParaRPr lang="en-GB" dirty="0">
+              <a:solidFill>
+                <a:srgbClr val="404040"/>
+              </a:solidFill>
+            </a:endParaRPr>
+          </a:p>
+          <a:p>
+            <a:r>
+              <a:rPr lang="en-GB" dirty="0">
+                <a:solidFill>
+                  <a:srgbClr val="404040"/>
+                </a:solidFill>
+              </a:rPr>
+              <a:t>Then quantize the original weight matrix.</a:t>
+            </a:r>
+          </a:p>
+          <a:p>
+            <a:endParaRPr lang="en-GB" dirty="0">
+              <a:solidFill>
+                <a:srgbClr val="404040"/>
+              </a:solidFill>
+            </a:endParaRPr>
+          </a:p>
+          <a:p>
+            <a:r>
+              <a:rPr lang="en-GB" dirty="0">
+                <a:solidFill>
+                  <a:srgbClr val="404040"/>
+                </a:solidFill>
+              </a:rPr>
+              <a:t>Train the network as with </a:t>
+            </a:r>
+            <a:r>
+              <a:rPr lang="en-GB" dirty="0" err="1">
+                <a:solidFill>
+                  <a:srgbClr val="404040"/>
+                </a:solidFill>
+              </a:rPr>
+              <a:t>LoRA</a:t>
+            </a:r>
+            <a:r>
+              <a:rPr lang="en-GB" dirty="0">
+                <a:solidFill>
+                  <a:srgbClr val="404040"/>
+                </a:solidFill>
+              </a:rPr>
+              <a:t>.</a:t>
+            </a:r>
+          </a:p>
+          <a:p>
+            <a:endParaRPr lang="en-GB" dirty="0">
+              <a:solidFill>
+                <a:srgbClr val="404040"/>
+              </a:solidFill>
+            </a:endParaRPr>
+          </a:p>
+          <a:p>
+            <a:r>
+              <a:rPr lang="en-GB" dirty="0">
+                <a:solidFill>
+                  <a:srgbClr val="404040"/>
+                </a:solidFill>
+              </a:rPr>
+              <a:t>The original weight matrix must be dequantized during the forward pass.</a:t>
+            </a:r>
+          </a:p>
+          <a:p>
+            <a:endParaRPr lang="en-GB" dirty="0">
+              <a:solidFill>
+                <a:srgbClr val="404040"/>
+              </a:solidFill>
+            </a:endParaRPr>
+          </a:p>
+          <a:p>
+            <a:r>
+              <a:rPr lang="en-GB" dirty="0">
+                <a:solidFill>
+                  <a:srgbClr val="404040"/>
+                </a:solidFill>
+              </a:rPr>
+              <a:t>Significant memory reductions, but with no significant degradation in performance!</a:t>
+            </a:r>
+          </a:p>
+          <a:p>
+            <a:endParaRPr lang="en-GB" dirty="0">
+              <a:solidFill>
+                <a:srgbClr val="404040"/>
+              </a:solidFill>
+            </a:endParaRPr>
+          </a:p>
+          <a:p>
+            <a:r>
+              <a:rPr lang="en-GB" dirty="0">
+                <a:solidFill>
+                  <a:srgbClr val="404040"/>
+                </a:solidFill>
+              </a:rPr>
+              <a:t>Only good for slightly guiding the model – you cannot instil significant new knowledge.</a:t>
+            </a:r>
+            <a:endParaRPr lang="en-US" dirty="0">
+              <a:solidFill>
+                <a:srgbClr val="404040"/>
+              </a:solidFill>
+            </a:endParaRPr>
+          </a:p>
+        </p:txBody>
+      </p:sp>
     </p:spTree>
     <p:extLst>
       <p:ext uri="{BB962C8B-B14F-4D97-AF65-F5344CB8AC3E}">
-        <p14:creationId xmlns:p14="http://schemas.microsoft.com/office/powerpoint/2010/main" val="622259421"/>
+        <p14:creationId xmlns:p14="http://schemas.microsoft.com/office/powerpoint/2010/main" val="539418377"/>
       </p:ext>
     </p:extLst>
   </p:cSld>
@@ -6613,7 +6806,7 @@
               <a:buNone/>
             </a:pPr>
             <a:r>
-              <a:rPr lang="en-US" sz="3200" b="1" i="1" dirty="0">
+              <a:rPr lang="en-US" sz="3600" b="1" i="1" dirty="0">
                 <a:solidFill>
                   <a:srgbClr val="404040"/>
                 </a:solidFill>
@@ -7664,6 +7857,102 @@
         <p:cNvPr id="1" name="">
           <a:extLst>
             <a:ext uri="{FF2B5EF4-FFF2-40B4-BE49-F238E27FC236}">
+              <a16:creationId xmlns:a16="http://schemas.microsoft.com/office/drawing/2014/main" id="{30B501A6-C72C-FC76-CAC1-8850F7441D1E}"/>
+            </a:ext>
+          </a:extLst>
+        </p:cNvPr>
+        <p:cNvGrpSpPr/>
+        <p:nvPr/>
+      </p:nvGrpSpPr>
+      <p:grpSpPr>
+        <a:xfrm>
+          <a:off x="0" y="0"/>
+          <a:ext cx="0" cy="0"/>
+          <a:chOff x="0" y="0"/>
+          <a:chExt cx="0" cy="0"/>
+        </a:xfrm>
+      </p:grpSpPr>
+      <p:sp>
+        <p:nvSpPr>
+          <p:cNvPr id="2" name="Text Placeholder 1">
+            <a:extLst>
+              <a:ext uri="{FF2B5EF4-FFF2-40B4-BE49-F238E27FC236}">
+                <a16:creationId xmlns:a16="http://schemas.microsoft.com/office/drawing/2014/main" id="{42AE1744-7287-44F7-1B43-007630C502EB}"/>
+              </a:ext>
+            </a:extLst>
+          </p:cNvPr>
+          <p:cNvSpPr>
+            <a:spLocks noGrp="1"/>
+          </p:cNvSpPr>
+          <p:nvPr>
+            <p:ph type="body" sz="quarter" idx="10"/>
+          </p:nvPr>
+        </p:nvSpPr>
+        <p:spPr/>
+        <p:txBody>
+          <a:bodyPr vert="horz" lIns="121920" tIns="60960" rIns="121920" bIns="60960" rtlCol="0" anchor="t">
+            <a:normAutofit/>
+          </a:bodyPr>
+          <a:lstStyle/>
+          <a:p>
+            <a:r>
+              <a:rPr lang="en-US" dirty="0"/>
+              <a:t>Where to find quantized models.</a:t>
+            </a:r>
+          </a:p>
+        </p:txBody>
+      </p:sp>
+      <p:pic>
+        <p:nvPicPr>
+          <p:cNvPr id="6" name="Picture 5">
+            <a:extLst>
+              <a:ext uri="{FF2B5EF4-FFF2-40B4-BE49-F238E27FC236}">
+                <a16:creationId xmlns:a16="http://schemas.microsoft.com/office/drawing/2014/main" id="{208BDC3C-0D98-6B3D-8D04-8B4E03ADE824}"/>
+              </a:ext>
+            </a:extLst>
+          </p:cNvPr>
+          <p:cNvPicPr>
+            <a:picLocks noChangeAspect="1"/>
+          </p:cNvPicPr>
+          <p:nvPr/>
+        </p:nvPicPr>
+        <p:blipFill>
+          <a:blip r:embed="rId3"/>
+          <a:stretch>
+            <a:fillRect/>
+          </a:stretch>
+        </p:blipFill>
+        <p:spPr>
+          <a:xfrm>
+            <a:off x="914400" y="1126067"/>
+            <a:ext cx="10363200" cy="4605867"/>
+          </a:xfrm>
+          <a:prstGeom prst="rect">
+            <a:avLst/>
+          </a:prstGeom>
+        </p:spPr>
+      </p:pic>
+    </p:spTree>
+    <p:extLst>
+      <p:ext uri="{BB962C8B-B14F-4D97-AF65-F5344CB8AC3E}">
+        <p14:creationId xmlns:p14="http://schemas.microsoft.com/office/powerpoint/2010/main" val="622259421"/>
+      </p:ext>
+    </p:extLst>
+  </p:cSld>
+  <p:clrMapOvr>
+    <a:masterClrMapping/>
+  </p:clrMapOvr>
+</p:sld>
+</file>
+
+<file path=ppt/slides/slide9.xml><?xml version="1.0" encoding="utf-8"?>
+<p:sld xmlns:a="http://schemas.openxmlformats.org/drawingml/2006/main" xmlns:r="http://schemas.openxmlformats.org/officeDocument/2006/relationships" xmlns:p="http://schemas.openxmlformats.org/presentationml/2006/main">
+  <p:cSld>
+    <p:spTree>
+      <p:nvGrpSpPr>
+        <p:cNvPr id="1" name="">
+          <a:extLst>
+            <a:ext uri="{FF2B5EF4-FFF2-40B4-BE49-F238E27FC236}">
               <a16:creationId xmlns:a16="http://schemas.microsoft.com/office/drawing/2014/main" id="{CC7C7633-8C06-C89B-3C73-1FF8680C8B7B}"/>
             </a:ext>
           </a:extLst>
@@ -7703,10 +7992,9 @@
           <a:lstStyle/>
           <a:p>
             <a:r>
-              <a:rPr lang="en-US" dirty="0" err="1"/>
-              <a:t>LoRA</a:t>
-            </a:r>
-            <a:endParaRPr lang="en-US" dirty="0"/>
+              <a:rPr lang="en-US" dirty="0"/>
+              <a:t>QLoRA</a:t>
+            </a:r>
           </a:p>
         </p:txBody>
       </p:sp>
@@ -8047,298 +8335,6 @@
     <p:extLst>
       <p:ext uri="{BB962C8B-B14F-4D97-AF65-F5344CB8AC3E}">
         <p14:creationId xmlns:p14="http://schemas.microsoft.com/office/powerpoint/2010/main" val="1189276769"/>
-      </p:ext>
-    </p:extLst>
-  </p:cSld>
-  <p:clrMapOvr>
-    <a:masterClrMapping/>
-  </p:clrMapOvr>
-</p:sld>
-</file>
-
-<file path=ppt/slides/slide9.xml><?xml version="1.0" encoding="utf-8"?>
-<p:sld xmlns:a="http://schemas.openxmlformats.org/drawingml/2006/main" xmlns:r="http://schemas.openxmlformats.org/officeDocument/2006/relationships" xmlns:p="http://schemas.openxmlformats.org/presentationml/2006/main">
-  <p:cSld>
-    <p:spTree>
-      <p:nvGrpSpPr>
-        <p:cNvPr id="1" name="">
-          <a:extLst>
-            <a:ext uri="{FF2B5EF4-FFF2-40B4-BE49-F238E27FC236}">
-              <a16:creationId xmlns:a16="http://schemas.microsoft.com/office/drawing/2014/main" id="{BDBBF850-107D-282E-30FD-084BA330FC4C}"/>
-            </a:ext>
-          </a:extLst>
-        </p:cNvPr>
-        <p:cNvGrpSpPr/>
-        <p:nvPr/>
-      </p:nvGrpSpPr>
-      <p:grpSpPr>
-        <a:xfrm>
-          <a:off x="0" y="0"/>
-          <a:ext cx="0" cy="0"/>
-          <a:chOff x="0" y="0"/>
-          <a:chExt cx="0" cy="0"/>
-        </a:xfrm>
-      </p:grpSpPr>
-      <p:sp>
-        <p:nvSpPr>
-          <p:cNvPr id="2" name="Text Placeholder 1">
-            <a:extLst>
-              <a:ext uri="{FF2B5EF4-FFF2-40B4-BE49-F238E27FC236}">
-                <a16:creationId xmlns:a16="http://schemas.microsoft.com/office/drawing/2014/main" id="{C3319871-C6A8-A420-E723-76833D3383B6}"/>
-              </a:ext>
-            </a:extLst>
-          </p:cNvPr>
-          <p:cNvSpPr>
-            <a:spLocks noGrp="1"/>
-          </p:cNvSpPr>
-          <p:nvPr>
-            <p:ph type="body" sz="quarter" idx="10"/>
-          </p:nvPr>
-        </p:nvSpPr>
-        <p:spPr/>
-        <p:txBody>
-          <a:bodyPr vert="horz" lIns="121920" tIns="60960" rIns="121920" bIns="60960" rtlCol="0" anchor="t">
-            <a:normAutofit/>
-          </a:bodyPr>
-          <a:lstStyle/>
-          <a:p>
-            <a:r>
-              <a:rPr lang="en-US" dirty="0"/>
-              <a:t>QLoRA</a:t>
-            </a:r>
-          </a:p>
-        </p:txBody>
-      </p:sp>
-      <p:sp>
-        <p:nvSpPr>
-          <p:cNvPr id="4" name="Text Placeholder 3">
-            <a:extLst>
-              <a:ext uri="{FF2B5EF4-FFF2-40B4-BE49-F238E27FC236}">
-                <a16:creationId xmlns:a16="http://schemas.microsoft.com/office/drawing/2014/main" id="{7747B791-CE46-7B44-BE1D-4E4CCE432E3F}"/>
-              </a:ext>
-            </a:extLst>
-          </p:cNvPr>
-          <p:cNvSpPr>
-            <a:spLocks noGrp="1"/>
-          </p:cNvSpPr>
-          <p:nvPr>
-            <p:ph type="body" sz="quarter" idx="12"/>
-          </p:nvPr>
-        </p:nvSpPr>
-        <p:spPr>
-          <a:xfrm>
-            <a:off x="503659" y="1272210"/>
-            <a:ext cx="10542293" cy="4589329"/>
-          </a:xfrm>
-        </p:spPr>
-        <p:txBody>
-          <a:bodyPr vert="horz" lIns="121920" tIns="60960" rIns="121920" bIns="60960" rtlCol="0" anchor="t">
-            <a:normAutofit fontScale="92500" lnSpcReduction="10000"/>
-          </a:bodyPr>
-          <a:lstStyle/>
-          <a:p>
-            <a:r>
-              <a:rPr lang="en-GB" dirty="0">
-                <a:solidFill>
-                  <a:srgbClr val="404040"/>
-                </a:solidFill>
-              </a:rPr>
-              <a:t>In </a:t>
-            </a:r>
-            <a:r>
-              <a:rPr lang="en-GB" dirty="0" err="1">
-                <a:solidFill>
-                  <a:srgbClr val="404040"/>
-                </a:solidFill>
-              </a:rPr>
-              <a:t>QLoRA</a:t>
-            </a:r>
-            <a:r>
-              <a:rPr lang="en-GB" dirty="0">
-                <a:solidFill>
-                  <a:srgbClr val="404040"/>
-                </a:solidFill>
-              </a:rPr>
-              <a:t>, we can take advantage of quantization </a:t>
-            </a:r>
-            <a:r>
-              <a:rPr lang="en-GB" b="1" i="1" dirty="0">
-                <a:solidFill>
-                  <a:srgbClr val="404040"/>
-                </a:solidFill>
-              </a:rPr>
-              <a:t>and</a:t>
-            </a:r>
-            <a:r>
-              <a:rPr lang="en-GB" dirty="0">
-                <a:solidFill>
-                  <a:srgbClr val="404040"/>
-                </a:solidFill>
-              </a:rPr>
-              <a:t> </a:t>
-            </a:r>
-            <a:r>
-              <a:rPr lang="en-GB" dirty="0" err="1">
-                <a:solidFill>
-                  <a:srgbClr val="404040"/>
-                </a:solidFill>
-              </a:rPr>
-              <a:t>LoRA</a:t>
-            </a:r>
-            <a:r>
-              <a:rPr lang="en-GB" dirty="0">
-                <a:solidFill>
-                  <a:srgbClr val="404040"/>
-                </a:solidFill>
-              </a:rPr>
-              <a:t>!</a:t>
-            </a:r>
-          </a:p>
-          <a:p>
-            <a:endParaRPr lang="en-GB" dirty="0">
-              <a:solidFill>
-                <a:srgbClr val="404040"/>
-              </a:solidFill>
-            </a:endParaRPr>
-          </a:p>
-          <a:p>
-            <a:r>
-              <a:rPr lang="en-GB" dirty="0">
-                <a:solidFill>
-                  <a:srgbClr val="404040"/>
-                </a:solidFill>
-              </a:rPr>
-              <a:t>First, obtain the low rank decomposition of the weights </a:t>
-            </a:r>
-            <a:r>
-              <a:rPr lang="en-GB" b="1" i="1" dirty="0">
-                <a:solidFill>
-                  <a:srgbClr val="404040"/>
-                </a:solidFill>
-              </a:rPr>
-              <a:t>and keep them in high precision</a:t>
-            </a:r>
-            <a:r>
-              <a:rPr lang="en-GB" dirty="0">
-                <a:solidFill>
-                  <a:srgbClr val="404040"/>
-                </a:solidFill>
-              </a:rPr>
-              <a:t>.</a:t>
-            </a:r>
-          </a:p>
-          <a:p>
-            <a:endParaRPr lang="en-GB" dirty="0">
-              <a:solidFill>
-                <a:srgbClr val="404040"/>
-              </a:solidFill>
-            </a:endParaRPr>
-          </a:p>
-          <a:p>
-            <a:r>
-              <a:rPr lang="en-GB" dirty="0">
-                <a:solidFill>
-                  <a:srgbClr val="404040"/>
-                </a:solidFill>
-              </a:rPr>
-              <a:t>Then quantize the original weight matrix.</a:t>
-            </a:r>
-          </a:p>
-          <a:p>
-            <a:endParaRPr lang="en-GB" dirty="0">
-              <a:solidFill>
-                <a:srgbClr val="404040"/>
-              </a:solidFill>
-            </a:endParaRPr>
-          </a:p>
-          <a:p>
-            <a:r>
-              <a:rPr lang="en-GB" dirty="0">
-                <a:solidFill>
-                  <a:srgbClr val="404040"/>
-                </a:solidFill>
-              </a:rPr>
-              <a:t>Train the network as with </a:t>
-            </a:r>
-            <a:r>
-              <a:rPr lang="en-GB" dirty="0" err="1">
-                <a:solidFill>
-                  <a:srgbClr val="404040"/>
-                </a:solidFill>
-              </a:rPr>
-              <a:t>LoRA</a:t>
-            </a:r>
-            <a:r>
-              <a:rPr lang="en-GB" dirty="0">
-                <a:solidFill>
-                  <a:srgbClr val="404040"/>
-                </a:solidFill>
-              </a:rPr>
-              <a:t>.</a:t>
-            </a:r>
-          </a:p>
-          <a:p>
-            <a:endParaRPr lang="en-GB" dirty="0">
-              <a:solidFill>
-                <a:srgbClr val="404040"/>
-              </a:solidFill>
-            </a:endParaRPr>
-          </a:p>
-          <a:p>
-            <a:r>
-              <a:rPr lang="en-GB" dirty="0">
-                <a:solidFill>
-                  <a:srgbClr val="404040"/>
-                </a:solidFill>
-              </a:rPr>
-              <a:t>The original weight matrix must be dequantized during the forward pass.</a:t>
-            </a:r>
-          </a:p>
-          <a:p>
-            <a:endParaRPr lang="en-GB" dirty="0">
-              <a:solidFill>
-                <a:srgbClr val="404040"/>
-              </a:solidFill>
-            </a:endParaRPr>
-          </a:p>
-          <a:p>
-            <a:r>
-              <a:rPr lang="en-GB" dirty="0">
-                <a:solidFill>
-                  <a:srgbClr val="404040"/>
-                </a:solidFill>
-              </a:rPr>
-              <a:t>Significant memory reductions, but with no significant degradation in performance!</a:t>
-            </a:r>
-          </a:p>
-          <a:p>
-            <a:endParaRPr lang="en-GB" dirty="0">
-              <a:solidFill>
-                <a:srgbClr val="404040"/>
-              </a:solidFill>
-            </a:endParaRPr>
-          </a:p>
-          <a:p>
-            <a:r>
-              <a:rPr lang="en-GB" dirty="0">
-                <a:solidFill>
-                  <a:srgbClr val="404040"/>
-                </a:solidFill>
-              </a:rPr>
-              <a:t>Only good for slightly guiding the model – you cannot instil significant new knowledge.</a:t>
-            </a:r>
-            <a:endParaRPr lang="en-US" dirty="0">
-              <a:solidFill>
-                <a:srgbClr val="404040"/>
-              </a:solidFill>
-            </a:endParaRPr>
-          </a:p>
-        </p:txBody>
-      </p:sp>
-    </p:spTree>
-    <p:extLst>
-      <p:ext uri="{BB962C8B-B14F-4D97-AF65-F5344CB8AC3E}">
-        <p14:creationId xmlns:p14="http://schemas.microsoft.com/office/powerpoint/2010/main" val="539418377"/>
       </p:ext>
     </p:extLst>
   </p:cSld>

--- a/Slides/4_SMLandQuantization.pptx
+++ b/Slides/4_SMLandQuantization.pptx
@@ -5,20 +5,21 @@
     <p:sldMasterId id="2147483648" r:id="rId1"/>
   </p:sldMasterIdLst>
   <p:notesMasterIdLst>
-    <p:notesMasterId r:id="rId13"/>
+    <p:notesMasterId r:id="rId14"/>
   </p:notesMasterIdLst>
   <p:sldIdLst>
     <p:sldId id="331" r:id="rId2"/>
     <p:sldId id="336" r:id="rId3"/>
     <p:sldId id="338" r:id="rId4"/>
     <p:sldId id="337" r:id="rId5"/>
-    <p:sldId id="315" r:id="rId6"/>
-    <p:sldId id="316" r:id="rId7"/>
-    <p:sldId id="317" r:id="rId8"/>
-    <p:sldId id="318" r:id="rId9"/>
-    <p:sldId id="324" r:id="rId10"/>
-    <p:sldId id="325" r:id="rId11"/>
-    <p:sldId id="311" r:id="rId12"/>
+    <p:sldId id="339" r:id="rId6"/>
+    <p:sldId id="315" r:id="rId7"/>
+    <p:sldId id="316" r:id="rId8"/>
+    <p:sldId id="317" r:id="rId9"/>
+    <p:sldId id="318" r:id="rId10"/>
+    <p:sldId id="324" r:id="rId11"/>
+    <p:sldId id="325" r:id="rId12"/>
+    <p:sldId id="311" r:id="rId13"/>
   </p:sldIdLst>
   <p:sldSz cx="12192000" cy="6858000"/>
   <p:notesSz cx="6858000" cy="9144000"/>
@@ -207,7 +208,7 @@
           <a:p>
             <a:fld id="{9A3F7785-0B8E-DB48-AD24-94D16CEA6672}" type="datetimeFigureOut">
               <a:rPr lang="en-US" smtClean="0"/>
-              <a:t>2/20/24</a:t>
+              <a:t>6/24/24</a:t>
             </a:fld>
             <a:endParaRPr lang="en-US"/>
           </a:p>
@@ -570,1047 +571,6 @@
         <p:cNvPr id="1" name="">
           <a:extLst>
             <a:ext uri="{FF2B5EF4-FFF2-40B4-BE49-F238E27FC236}">
-              <a16:creationId xmlns:a16="http://schemas.microsoft.com/office/drawing/2014/main" id="{7476EC7A-F403-F18D-3056-DB23F2F064B1}"/>
-            </a:ext>
-          </a:extLst>
-        </p:cNvPr>
-        <p:cNvGrpSpPr/>
-        <p:nvPr/>
-      </p:nvGrpSpPr>
-      <p:grpSpPr>
-        <a:xfrm>
-          <a:off x="0" y="0"/>
-          <a:ext cx="0" cy="0"/>
-          <a:chOff x="0" y="0"/>
-          <a:chExt cx="0" cy="0"/>
-        </a:xfrm>
-      </p:grpSpPr>
-      <p:sp>
-        <p:nvSpPr>
-          <p:cNvPr id="2" name="Slide Image Placeholder 1">
-            <a:extLst>
-              <a:ext uri="{FF2B5EF4-FFF2-40B4-BE49-F238E27FC236}">
-                <a16:creationId xmlns:a16="http://schemas.microsoft.com/office/drawing/2014/main" id="{E89AE426-0DDE-D183-6A20-E4197D5B844F}"/>
-              </a:ext>
-            </a:extLst>
-          </p:cNvPr>
-          <p:cNvSpPr>
-            <a:spLocks noGrp="1" noRot="1" noChangeAspect="1"/>
-          </p:cNvSpPr>
-          <p:nvPr>
-            <p:ph type="sldImg"/>
-          </p:nvPr>
-        </p:nvSpPr>
-        <p:spPr/>
-      </p:sp>
-      <p:sp>
-        <p:nvSpPr>
-          <p:cNvPr id="3" name="Notes Placeholder 2">
-            <a:extLst>
-              <a:ext uri="{FF2B5EF4-FFF2-40B4-BE49-F238E27FC236}">
-                <a16:creationId xmlns:a16="http://schemas.microsoft.com/office/drawing/2014/main" id="{02084F23-1194-9016-6DFA-74D526AC96A5}"/>
-              </a:ext>
-            </a:extLst>
-          </p:cNvPr>
-          <p:cNvSpPr>
-            <a:spLocks noGrp="1"/>
-          </p:cNvSpPr>
-          <p:nvPr>
-            <p:ph type="body" idx="1"/>
-          </p:nvPr>
-        </p:nvSpPr>
-        <p:spPr/>
-        <p:txBody>
-          <a:bodyPr/>
-          <a:lstStyle/>
-          <a:p>
-            <a:r>
-              <a:rPr lang="en-US" dirty="0"/>
-              <a:t>.</a:t>
-            </a:r>
-          </a:p>
-        </p:txBody>
-      </p:sp>
-      <p:sp>
-        <p:nvSpPr>
-          <p:cNvPr id="4" name="Slide Number Placeholder 3">
-            <a:extLst>
-              <a:ext uri="{FF2B5EF4-FFF2-40B4-BE49-F238E27FC236}">
-                <a16:creationId xmlns:a16="http://schemas.microsoft.com/office/drawing/2014/main" id="{AE1842BD-253B-7855-A56F-776ECD43DDA8}"/>
-              </a:ext>
-            </a:extLst>
-          </p:cNvPr>
-          <p:cNvSpPr>
-            <a:spLocks noGrp="1"/>
-          </p:cNvSpPr>
-          <p:nvPr>
-            <p:ph type="sldNum" sz="quarter" idx="5"/>
-          </p:nvPr>
-        </p:nvSpPr>
-        <p:spPr/>
-        <p:txBody>
-          <a:bodyPr/>
-          <a:lstStyle/>
-          <a:p>
-            <a:fld id="{FE27E4C1-A6EC-8946-BBCD-755D8945F25F}" type="slidenum">
-              <a:rPr lang="en-US" smtClean="0"/>
-              <a:t>11</a:t>
-            </a:fld>
-            <a:endParaRPr lang="en-US"/>
-          </a:p>
-        </p:txBody>
-      </p:sp>
-    </p:spTree>
-    <p:extLst>
-      <p:ext uri="{BB962C8B-B14F-4D97-AF65-F5344CB8AC3E}">
-        <p14:creationId xmlns:p14="http://schemas.microsoft.com/office/powerpoint/2010/main" val="3083215276"/>
-      </p:ext>
-    </p:extLst>
-  </p:cSld>
-  <p:clrMapOvr>
-    <a:masterClrMapping/>
-  </p:clrMapOvr>
-</p:notes>
-</file>
-
-<file path=ppt/notesSlides/notesSlide2.xml><?xml version="1.0" encoding="utf-8"?>
-<p:notes xmlns:a="http://schemas.openxmlformats.org/drawingml/2006/main" xmlns:r="http://schemas.openxmlformats.org/officeDocument/2006/relationships" xmlns:p="http://schemas.openxmlformats.org/presentationml/2006/main">
-  <p:cSld>
-    <p:spTree>
-      <p:nvGrpSpPr>
-        <p:cNvPr id="1" name="">
-          <a:extLst>
-            <a:ext uri="{FF2B5EF4-FFF2-40B4-BE49-F238E27FC236}">
-              <a16:creationId xmlns:a16="http://schemas.microsoft.com/office/drawing/2014/main" id="{52261FDB-C3EA-505B-7119-B4810F27D759}"/>
-            </a:ext>
-          </a:extLst>
-        </p:cNvPr>
-        <p:cNvGrpSpPr/>
-        <p:nvPr/>
-      </p:nvGrpSpPr>
-      <p:grpSpPr>
-        <a:xfrm>
-          <a:off x="0" y="0"/>
-          <a:ext cx="0" cy="0"/>
-          <a:chOff x="0" y="0"/>
-          <a:chExt cx="0" cy="0"/>
-        </a:xfrm>
-      </p:grpSpPr>
-      <p:sp>
-        <p:nvSpPr>
-          <p:cNvPr id="2" name="Slide Image Placeholder 1">
-            <a:extLst>
-              <a:ext uri="{FF2B5EF4-FFF2-40B4-BE49-F238E27FC236}">
-                <a16:creationId xmlns:a16="http://schemas.microsoft.com/office/drawing/2014/main" id="{3A8A7764-FDAB-30EA-21A9-39FC39606074}"/>
-              </a:ext>
-            </a:extLst>
-          </p:cNvPr>
-          <p:cNvSpPr>
-            <a:spLocks noGrp="1" noRot="1" noChangeAspect="1"/>
-          </p:cNvSpPr>
-          <p:nvPr>
-            <p:ph type="sldImg"/>
-          </p:nvPr>
-        </p:nvSpPr>
-        <p:spPr/>
-      </p:sp>
-      <p:sp>
-        <p:nvSpPr>
-          <p:cNvPr id="3" name="Notes Placeholder 2">
-            <a:extLst>
-              <a:ext uri="{FF2B5EF4-FFF2-40B4-BE49-F238E27FC236}">
-                <a16:creationId xmlns:a16="http://schemas.microsoft.com/office/drawing/2014/main" id="{747E7562-0ECD-593F-8325-D1EB115B45A3}"/>
-              </a:ext>
-            </a:extLst>
-          </p:cNvPr>
-          <p:cNvSpPr>
-            <a:spLocks noGrp="1"/>
-          </p:cNvSpPr>
-          <p:nvPr>
-            <p:ph type="body" idx="1"/>
-          </p:nvPr>
-        </p:nvSpPr>
-        <p:spPr/>
-        <p:txBody>
-          <a:bodyPr/>
-          <a:lstStyle/>
-          <a:p>
-            <a:r>
-              <a:rPr lang="en-GB" b="1" dirty="0"/>
-              <a:t>What do you really want?</a:t>
-            </a:r>
-            <a:r>
-              <a:rPr lang="en-GB" dirty="0"/>
-              <a:t> There is well-known problem on stack overflow called the XY problem. This occurs when a person tries to solve a problem on their own, pursues a method that seems like a promising approach, gets stuck, and then asks for help with their chosen method (instead of asking for help with the original problem).</a:t>
-            </a:r>
-          </a:p>
-          <a:p>
-            <a:endParaRPr lang="en-GB" dirty="0"/>
-          </a:p>
-        </p:txBody>
-      </p:sp>
-      <p:sp>
-        <p:nvSpPr>
-          <p:cNvPr id="4" name="Slide Number Placeholder 3">
-            <a:extLst>
-              <a:ext uri="{FF2B5EF4-FFF2-40B4-BE49-F238E27FC236}">
-                <a16:creationId xmlns:a16="http://schemas.microsoft.com/office/drawing/2014/main" id="{5061E415-F427-2982-CBE0-CE0A41481F93}"/>
-              </a:ext>
-            </a:extLst>
-          </p:cNvPr>
-          <p:cNvSpPr>
-            <a:spLocks noGrp="1"/>
-          </p:cNvSpPr>
-          <p:nvPr>
-            <p:ph type="sldNum" sz="quarter" idx="5"/>
-          </p:nvPr>
-        </p:nvSpPr>
-        <p:spPr/>
-        <p:txBody>
-          <a:bodyPr/>
-          <a:lstStyle/>
-          <a:p>
-            <a:fld id="{FE27E4C1-A6EC-8946-BBCD-755D8945F25F}" type="slidenum">
-              <a:rPr lang="en-US" smtClean="0"/>
-              <a:t>2</a:t>
-            </a:fld>
-            <a:endParaRPr lang="en-US"/>
-          </a:p>
-        </p:txBody>
-      </p:sp>
-    </p:spTree>
-    <p:extLst>
-      <p:ext uri="{BB962C8B-B14F-4D97-AF65-F5344CB8AC3E}">
-        <p14:creationId xmlns:p14="http://schemas.microsoft.com/office/powerpoint/2010/main" val="4010268612"/>
-      </p:ext>
-    </p:extLst>
-  </p:cSld>
-  <p:clrMapOvr>
-    <a:masterClrMapping/>
-  </p:clrMapOvr>
-</p:notes>
-</file>
-
-<file path=ppt/notesSlides/notesSlide3.xml><?xml version="1.0" encoding="utf-8"?>
-<p:notes xmlns:a="http://schemas.openxmlformats.org/drawingml/2006/main" xmlns:r="http://schemas.openxmlformats.org/officeDocument/2006/relationships" xmlns:p="http://schemas.openxmlformats.org/presentationml/2006/main">
-  <p:cSld>
-    <p:spTree>
-      <p:nvGrpSpPr>
-        <p:cNvPr id="1" name="">
-          <a:extLst>
-            <a:ext uri="{FF2B5EF4-FFF2-40B4-BE49-F238E27FC236}">
-              <a16:creationId xmlns:a16="http://schemas.microsoft.com/office/drawing/2014/main" id="{E054C890-D377-11C6-C8E2-AF3B1864477A}"/>
-            </a:ext>
-          </a:extLst>
-        </p:cNvPr>
-        <p:cNvGrpSpPr/>
-        <p:nvPr/>
-      </p:nvGrpSpPr>
-      <p:grpSpPr>
-        <a:xfrm>
-          <a:off x="0" y="0"/>
-          <a:ext cx="0" cy="0"/>
-          <a:chOff x="0" y="0"/>
-          <a:chExt cx="0" cy="0"/>
-        </a:xfrm>
-      </p:grpSpPr>
-      <p:sp>
-        <p:nvSpPr>
-          <p:cNvPr id="2" name="Slide Image Placeholder 1">
-            <a:extLst>
-              <a:ext uri="{FF2B5EF4-FFF2-40B4-BE49-F238E27FC236}">
-                <a16:creationId xmlns:a16="http://schemas.microsoft.com/office/drawing/2014/main" id="{3B3B599F-4959-AAF3-8A5F-9AD5A56AA251}"/>
-              </a:ext>
-            </a:extLst>
-          </p:cNvPr>
-          <p:cNvSpPr>
-            <a:spLocks noGrp="1" noRot="1" noChangeAspect="1"/>
-          </p:cNvSpPr>
-          <p:nvPr>
-            <p:ph type="sldImg"/>
-          </p:nvPr>
-        </p:nvSpPr>
-        <p:spPr/>
-      </p:sp>
-      <p:sp>
-        <p:nvSpPr>
-          <p:cNvPr id="3" name="Notes Placeholder 2">
-            <a:extLst>
-              <a:ext uri="{FF2B5EF4-FFF2-40B4-BE49-F238E27FC236}">
-                <a16:creationId xmlns:a16="http://schemas.microsoft.com/office/drawing/2014/main" id="{EC737837-A258-EF7E-F811-954FA45CD265}"/>
-              </a:ext>
-            </a:extLst>
-          </p:cNvPr>
-          <p:cNvSpPr>
-            <a:spLocks noGrp="1"/>
-          </p:cNvSpPr>
-          <p:nvPr>
-            <p:ph type="body" idx="1"/>
-          </p:nvPr>
-        </p:nvSpPr>
-        <p:spPr/>
-        <p:txBody>
-          <a:bodyPr/>
-          <a:lstStyle/>
-          <a:p>
-            <a:r>
-              <a:rPr lang="en-GB" b="1" dirty="0"/>
-              <a:t>What do you really want?</a:t>
-            </a:r>
-            <a:r>
-              <a:rPr lang="en-GB" dirty="0"/>
-              <a:t> There is well-known problem on stack overflow called the XY problem. This occurs when a person tries to solve a problem on their own, pursues a method that seems like a promising approach, gets stuck, and then asks for help with their chosen method (instead of asking for help with the original problem).</a:t>
-            </a:r>
-          </a:p>
-          <a:p>
-            <a:endParaRPr lang="en-GB" dirty="0"/>
-          </a:p>
-        </p:txBody>
-      </p:sp>
-      <p:sp>
-        <p:nvSpPr>
-          <p:cNvPr id="4" name="Slide Number Placeholder 3">
-            <a:extLst>
-              <a:ext uri="{FF2B5EF4-FFF2-40B4-BE49-F238E27FC236}">
-                <a16:creationId xmlns:a16="http://schemas.microsoft.com/office/drawing/2014/main" id="{DBB7E075-4A83-DD8F-403E-B091C8502C43}"/>
-              </a:ext>
-            </a:extLst>
-          </p:cNvPr>
-          <p:cNvSpPr>
-            <a:spLocks noGrp="1"/>
-          </p:cNvSpPr>
-          <p:nvPr>
-            <p:ph type="sldNum" sz="quarter" idx="5"/>
-          </p:nvPr>
-        </p:nvSpPr>
-        <p:spPr/>
-        <p:txBody>
-          <a:bodyPr/>
-          <a:lstStyle/>
-          <a:p>
-            <a:fld id="{FE27E4C1-A6EC-8946-BBCD-755D8945F25F}" type="slidenum">
-              <a:rPr lang="en-US" smtClean="0"/>
-              <a:t>3</a:t>
-            </a:fld>
-            <a:endParaRPr lang="en-US"/>
-          </a:p>
-        </p:txBody>
-      </p:sp>
-    </p:spTree>
-    <p:extLst>
-      <p:ext uri="{BB962C8B-B14F-4D97-AF65-F5344CB8AC3E}">
-        <p14:creationId xmlns:p14="http://schemas.microsoft.com/office/powerpoint/2010/main" val="1243698402"/>
-      </p:ext>
-    </p:extLst>
-  </p:cSld>
-  <p:clrMapOvr>
-    <a:masterClrMapping/>
-  </p:clrMapOvr>
-</p:notes>
-</file>
-
-<file path=ppt/notesSlides/notesSlide4.xml><?xml version="1.0" encoding="utf-8"?>
-<p:notes xmlns:a="http://schemas.openxmlformats.org/drawingml/2006/main" xmlns:r="http://schemas.openxmlformats.org/officeDocument/2006/relationships" xmlns:p="http://schemas.openxmlformats.org/presentationml/2006/main">
-  <p:cSld>
-    <p:spTree>
-      <p:nvGrpSpPr>
-        <p:cNvPr id="1" name="">
-          <a:extLst>
-            <a:ext uri="{FF2B5EF4-FFF2-40B4-BE49-F238E27FC236}">
-              <a16:creationId xmlns:a16="http://schemas.microsoft.com/office/drawing/2014/main" id="{0F72D91B-DAE4-9DFB-DCD9-36D33EA8CFA6}"/>
-            </a:ext>
-          </a:extLst>
-        </p:cNvPr>
-        <p:cNvGrpSpPr/>
-        <p:nvPr/>
-      </p:nvGrpSpPr>
-      <p:grpSpPr>
-        <a:xfrm>
-          <a:off x="0" y="0"/>
-          <a:ext cx="0" cy="0"/>
-          <a:chOff x="0" y="0"/>
-          <a:chExt cx="0" cy="0"/>
-        </a:xfrm>
-      </p:grpSpPr>
-      <p:sp>
-        <p:nvSpPr>
-          <p:cNvPr id="2" name="Slide Image Placeholder 1">
-            <a:extLst>
-              <a:ext uri="{FF2B5EF4-FFF2-40B4-BE49-F238E27FC236}">
-                <a16:creationId xmlns:a16="http://schemas.microsoft.com/office/drawing/2014/main" id="{1375DE95-C486-40BE-66F3-36435587D79B}"/>
-              </a:ext>
-            </a:extLst>
-          </p:cNvPr>
-          <p:cNvSpPr>
-            <a:spLocks noGrp="1" noRot="1" noChangeAspect="1"/>
-          </p:cNvSpPr>
-          <p:nvPr>
-            <p:ph type="sldImg"/>
-          </p:nvPr>
-        </p:nvSpPr>
-        <p:spPr/>
-      </p:sp>
-      <p:sp>
-        <p:nvSpPr>
-          <p:cNvPr id="3" name="Notes Placeholder 2">
-            <a:extLst>
-              <a:ext uri="{FF2B5EF4-FFF2-40B4-BE49-F238E27FC236}">
-                <a16:creationId xmlns:a16="http://schemas.microsoft.com/office/drawing/2014/main" id="{F791C094-1FB0-9D16-9F89-FA20A0B3AF72}"/>
-              </a:ext>
-            </a:extLst>
-          </p:cNvPr>
-          <p:cNvSpPr>
-            <a:spLocks noGrp="1"/>
-          </p:cNvSpPr>
-          <p:nvPr>
-            <p:ph type="body" idx="1"/>
-          </p:nvPr>
-        </p:nvSpPr>
-        <p:spPr/>
-        <p:txBody>
-          <a:bodyPr/>
-          <a:lstStyle/>
-          <a:p>
-            <a:r>
-              <a:rPr lang="en-GB" dirty="0"/>
-              <a:t>So having said all this, it’s possible that you may not need a “large” LLM, and your needs may be met by a smaller model. Similarly, it is tempting to want to fine-tune your model with further pretraining on your own data, but it’s likely that a model may already exist that does the job. A really go way to see whether you can get away with a simple model, would be to check the Hugging face </a:t>
-            </a:r>
-            <a:r>
-              <a:rPr lang="en-GB" dirty="0" err="1"/>
-              <a:t>leaderboards</a:t>
-            </a:r>
-            <a:r>
-              <a:rPr lang="en-GB" dirty="0"/>
-              <a:t>. As well as the Open LLM board already mentioned, there is also the MTEB board.</a:t>
-            </a:r>
-          </a:p>
-          <a:p>
-            <a:endParaRPr lang="en-GB" dirty="0"/>
-          </a:p>
-          <a:p>
-            <a:endParaRPr lang="en-GB" dirty="0"/>
-          </a:p>
-          <a:p>
-            <a:endParaRPr lang="en-US" dirty="0"/>
-          </a:p>
-        </p:txBody>
-      </p:sp>
-      <p:sp>
-        <p:nvSpPr>
-          <p:cNvPr id="4" name="Slide Number Placeholder 3">
-            <a:extLst>
-              <a:ext uri="{FF2B5EF4-FFF2-40B4-BE49-F238E27FC236}">
-                <a16:creationId xmlns:a16="http://schemas.microsoft.com/office/drawing/2014/main" id="{A09A0EE3-0E9B-1E4E-FE00-5AB4E5C6D3B7}"/>
-              </a:ext>
-            </a:extLst>
-          </p:cNvPr>
-          <p:cNvSpPr>
-            <a:spLocks noGrp="1"/>
-          </p:cNvSpPr>
-          <p:nvPr>
-            <p:ph type="sldNum" sz="quarter" idx="5"/>
-          </p:nvPr>
-        </p:nvSpPr>
-        <p:spPr/>
-        <p:txBody>
-          <a:bodyPr/>
-          <a:lstStyle/>
-          <a:p>
-            <a:fld id="{FE27E4C1-A6EC-8946-BBCD-755D8945F25F}" type="slidenum">
-              <a:rPr lang="en-US" smtClean="0"/>
-              <a:t>4</a:t>
-            </a:fld>
-            <a:endParaRPr lang="en-US"/>
-          </a:p>
-        </p:txBody>
-      </p:sp>
-    </p:spTree>
-    <p:extLst>
-      <p:ext uri="{BB962C8B-B14F-4D97-AF65-F5344CB8AC3E}">
-        <p14:creationId xmlns:p14="http://schemas.microsoft.com/office/powerpoint/2010/main" val="3437101776"/>
-      </p:ext>
-    </p:extLst>
-  </p:cSld>
-  <p:clrMapOvr>
-    <a:masterClrMapping/>
-  </p:clrMapOvr>
-</p:notes>
-</file>
-
-<file path=ppt/notesSlides/notesSlide5.xml><?xml version="1.0" encoding="utf-8"?>
-<p:notes xmlns:a="http://schemas.openxmlformats.org/drawingml/2006/main" xmlns:r="http://schemas.openxmlformats.org/officeDocument/2006/relationships" xmlns:p="http://schemas.openxmlformats.org/presentationml/2006/main">
-  <p:cSld>
-    <p:spTree>
-      <p:nvGrpSpPr>
-        <p:cNvPr id="1" name=""/>
-        <p:cNvGrpSpPr/>
-        <p:nvPr/>
-      </p:nvGrpSpPr>
-      <p:grpSpPr>
-        <a:xfrm>
-          <a:off x="0" y="0"/>
-          <a:ext cx="0" cy="0"/>
-          <a:chOff x="0" y="0"/>
-          <a:chExt cx="0" cy="0"/>
-        </a:xfrm>
-      </p:grpSpPr>
-      <p:sp>
-        <p:nvSpPr>
-          <p:cNvPr id="2" name="Slide Image Placeholder 1"/>
-          <p:cNvSpPr>
-            <a:spLocks noGrp="1" noRot="1" noChangeAspect="1"/>
-          </p:cNvSpPr>
-          <p:nvPr>
-            <p:ph type="sldImg"/>
-          </p:nvPr>
-        </p:nvSpPr>
-        <p:spPr/>
-      </p:sp>
-      <p:sp>
-        <p:nvSpPr>
-          <p:cNvPr id="3" name="Notes Placeholder 2"/>
-          <p:cNvSpPr>
-            <a:spLocks noGrp="1"/>
-          </p:cNvSpPr>
-          <p:nvPr>
-            <p:ph type="body" idx="1"/>
-          </p:nvPr>
-        </p:nvSpPr>
-        <p:spPr/>
-        <p:txBody>
-          <a:bodyPr/>
-          <a:lstStyle/>
-          <a:p>
-            <a:r>
-              <a:rPr lang="en-US" dirty="0"/>
-              <a:t>Many of the best LLMs have a lot of parameters. You need 140GiB of GPU memory to use Llama-2-70B for example. An Nvidia A100 has 80GiB, so you need two of them. Each one is about 15-20k. So to load Llama-2-70B, to run inference, you’re going to need to spend a lot of money.</a:t>
-            </a:r>
-          </a:p>
-          <a:p>
-            <a:endParaRPr lang="en-US" dirty="0"/>
-          </a:p>
-        </p:txBody>
-      </p:sp>
-      <p:sp>
-        <p:nvSpPr>
-          <p:cNvPr id="4" name="Slide Number Placeholder 3"/>
-          <p:cNvSpPr>
-            <a:spLocks noGrp="1"/>
-          </p:cNvSpPr>
-          <p:nvPr>
-            <p:ph type="sldNum" sz="quarter" idx="5"/>
-          </p:nvPr>
-        </p:nvSpPr>
-        <p:spPr/>
-        <p:txBody>
-          <a:bodyPr/>
-          <a:lstStyle/>
-          <a:p>
-            <a:fld id="{FE27E4C1-A6EC-8946-BBCD-755D8945F25F}" type="slidenum">
-              <a:rPr lang="en-US" smtClean="0"/>
-              <a:t>6</a:t>
-            </a:fld>
-            <a:endParaRPr lang="en-US"/>
-          </a:p>
-        </p:txBody>
-      </p:sp>
-    </p:spTree>
-    <p:extLst>
-      <p:ext uri="{BB962C8B-B14F-4D97-AF65-F5344CB8AC3E}">
-        <p14:creationId xmlns:p14="http://schemas.microsoft.com/office/powerpoint/2010/main" val="1618101389"/>
-      </p:ext>
-    </p:extLst>
-  </p:cSld>
-  <p:clrMapOvr>
-    <a:masterClrMapping/>
-  </p:clrMapOvr>
-</p:notes>
-</file>
-
-<file path=ppt/notesSlides/notesSlide6.xml><?xml version="1.0" encoding="utf-8"?>
-<p:notes xmlns:a="http://schemas.openxmlformats.org/drawingml/2006/main" xmlns:r="http://schemas.openxmlformats.org/officeDocument/2006/relationships" xmlns:p="http://schemas.openxmlformats.org/presentationml/2006/main">
-  <p:cSld>
-    <p:spTree>
-      <p:nvGrpSpPr>
-        <p:cNvPr id="1" name="">
-          <a:extLst>
-            <a:ext uri="{FF2B5EF4-FFF2-40B4-BE49-F238E27FC236}">
-              <a16:creationId xmlns:a16="http://schemas.microsoft.com/office/drawing/2014/main" id="{8274761D-F4AD-2B9B-25A0-5140A59F405B}"/>
-            </a:ext>
-          </a:extLst>
-        </p:cNvPr>
-        <p:cNvGrpSpPr/>
-        <p:nvPr/>
-      </p:nvGrpSpPr>
-      <p:grpSpPr>
-        <a:xfrm>
-          <a:off x="0" y="0"/>
-          <a:ext cx="0" cy="0"/>
-          <a:chOff x="0" y="0"/>
-          <a:chExt cx="0" cy="0"/>
-        </a:xfrm>
-      </p:grpSpPr>
-      <p:sp>
-        <p:nvSpPr>
-          <p:cNvPr id="2" name="Slide Image Placeholder 1">
-            <a:extLst>
-              <a:ext uri="{FF2B5EF4-FFF2-40B4-BE49-F238E27FC236}">
-                <a16:creationId xmlns:a16="http://schemas.microsoft.com/office/drawing/2014/main" id="{EF66E101-BBB1-87D4-78E9-59CC92F29A5D}"/>
-              </a:ext>
-            </a:extLst>
-          </p:cNvPr>
-          <p:cNvSpPr>
-            <a:spLocks noGrp="1" noRot="1" noChangeAspect="1"/>
-          </p:cNvSpPr>
-          <p:nvPr>
-            <p:ph type="sldImg"/>
-          </p:nvPr>
-        </p:nvSpPr>
-        <p:spPr/>
-      </p:sp>
-      <p:sp>
-        <p:nvSpPr>
-          <p:cNvPr id="3" name="Notes Placeholder 2">
-            <a:extLst>
-              <a:ext uri="{FF2B5EF4-FFF2-40B4-BE49-F238E27FC236}">
-                <a16:creationId xmlns:a16="http://schemas.microsoft.com/office/drawing/2014/main" id="{8A468045-2ADE-BF94-77A8-E4EAA9F7D47C}"/>
-              </a:ext>
-            </a:extLst>
-          </p:cNvPr>
-          <p:cNvSpPr>
-            <a:spLocks noGrp="1"/>
-          </p:cNvSpPr>
-          <p:nvPr>
-            <p:ph type="body" idx="1"/>
-          </p:nvPr>
-        </p:nvSpPr>
-        <p:spPr/>
-        <p:txBody>
-          <a:bodyPr/>
-          <a:lstStyle/>
-          <a:p>
-            <a:r>
-              <a:rPr lang="en-US" dirty="0"/>
-              <a:t>There are two types of quantization:</a:t>
-            </a:r>
-          </a:p>
-          <a:p>
-            <a:endParaRPr lang="en-US" dirty="0"/>
-          </a:p>
-          <a:p>
-            <a:r>
-              <a:rPr lang="en-US" dirty="0"/>
-              <a:t>– PTQ. This converts the weights of an already trained or fine-tuned model to a lower precision. It’s fairly straightforward to implement.</a:t>
-            </a:r>
-          </a:p>
-          <a:p>
-            <a:r>
-              <a:rPr lang="en-US" dirty="0"/>
-              <a:t>– QAT. Does the weight conversion during training. Can be more expensive. An example of this is QLoRA, which we will briefly discuss.</a:t>
-            </a:r>
-          </a:p>
-          <a:p>
-            <a:endParaRPr lang="en-US" dirty="0"/>
-          </a:p>
-          <a:p>
-            <a:r>
-              <a:rPr lang="en-US" dirty="0"/>
-              <a:t>For post-quantization, there are a number of methods:</a:t>
-            </a:r>
-          </a:p>
-          <a:p>
-            <a:pPr marL="457200" marR="0" lvl="1" indent="0" algn="l" defTabSz="914400" rtl="0" eaLnBrk="1" fontAlgn="auto" latinLnBrk="0" hangingPunct="1">
-              <a:lnSpc>
-                <a:spcPct val="100000"/>
-              </a:lnSpc>
-              <a:spcBef>
-                <a:spcPts val="0"/>
-              </a:spcBef>
-              <a:spcAft>
-                <a:spcPts val="0"/>
-              </a:spcAft>
-              <a:buClrTx/>
-              <a:buSzTx/>
-              <a:buFontTx/>
-              <a:buNone/>
-              <a:tabLst/>
-              <a:defRPr/>
-            </a:pPr>
-            <a:r>
-              <a:rPr lang="en-US" dirty="0">
-                <a:solidFill>
-                  <a:srgbClr val="404040"/>
-                </a:solidFill>
-              </a:rPr>
-              <a:t>GPTQ – The OG quantization method. Compresses large model weights down to around 4bits. As the size of the model increases, the performance difference between FP16 and GPTQ decreases. Massive inference speed increase. Can only quantize models into int datatypes, such as INT4. </a:t>
-            </a:r>
-            <a:r>
-              <a:rPr lang="en-US" dirty="0" err="1"/>
-              <a:t>ExLlama</a:t>
-            </a:r>
-            <a:r>
-              <a:rPr lang="en-US" dirty="0"/>
-              <a:t> is standalone implementation of Llama for 4bit GPTQ. AWQ considers activations.</a:t>
-            </a:r>
-            <a:endParaRPr lang="en-US" dirty="0">
-              <a:solidFill>
-                <a:srgbClr val="404040"/>
-              </a:solidFill>
-            </a:endParaRPr>
-          </a:p>
-          <a:p>
-            <a:pPr lvl="1"/>
-            <a:r>
-              <a:rPr lang="en-US" dirty="0">
-                <a:solidFill>
-                  <a:srgbClr val="404040"/>
-                </a:solidFill>
-              </a:rPr>
-              <a:t>GGML – Heavily geared towards inference on CPUs</a:t>
-            </a:r>
-          </a:p>
-          <a:p>
-            <a:pPr lvl="1"/>
-            <a:r>
-              <a:rPr lang="en-US" dirty="0">
-                <a:solidFill>
-                  <a:srgbClr val="404040"/>
-                </a:solidFill>
-              </a:rPr>
-              <a:t>GGUF</a:t>
-            </a:r>
-          </a:p>
-          <a:p>
-            <a:pPr lvl="1"/>
-            <a:r>
-              <a:rPr lang="en-US" dirty="0">
-                <a:solidFill>
-                  <a:srgbClr val="404040"/>
-                </a:solidFill>
-              </a:rPr>
-              <a:t>NF4 – When combined with QLoRA, there is almost no reduction in performance with 4-bit.</a:t>
-            </a:r>
-          </a:p>
-          <a:p>
-            <a:endParaRPr lang="en-US" dirty="0"/>
-          </a:p>
-          <a:p>
-            <a:endParaRPr lang="en-US" dirty="0"/>
-          </a:p>
-          <a:p>
-            <a:r>
-              <a:rPr lang="en-US" dirty="0"/>
-              <a:t>A question that you might be asking is: should I go for a small model, or a large, quantized model? In general, a larger quantized model will outperform a smaller non-quantized model</a:t>
-            </a:r>
-          </a:p>
-        </p:txBody>
-      </p:sp>
-      <p:sp>
-        <p:nvSpPr>
-          <p:cNvPr id="4" name="Slide Number Placeholder 3">
-            <a:extLst>
-              <a:ext uri="{FF2B5EF4-FFF2-40B4-BE49-F238E27FC236}">
-                <a16:creationId xmlns:a16="http://schemas.microsoft.com/office/drawing/2014/main" id="{B625F07D-1629-D037-626A-2D96729EFE27}"/>
-              </a:ext>
-            </a:extLst>
-          </p:cNvPr>
-          <p:cNvSpPr>
-            <a:spLocks noGrp="1"/>
-          </p:cNvSpPr>
-          <p:nvPr>
-            <p:ph type="sldNum" sz="quarter" idx="5"/>
-          </p:nvPr>
-        </p:nvSpPr>
-        <p:spPr/>
-        <p:txBody>
-          <a:bodyPr/>
-          <a:lstStyle/>
-          <a:p>
-            <a:fld id="{FE27E4C1-A6EC-8946-BBCD-755D8945F25F}" type="slidenum">
-              <a:rPr lang="en-US" smtClean="0"/>
-              <a:t>7</a:t>
-            </a:fld>
-            <a:endParaRPr lang="en-US"/>
-          </a:p>
-        </p:txBody>
-      </p:sp>
-    </p:spTree>
-    <p:extLst>
-      <p:ext uri="{BB962C8B-B14F-4D97-AF65-F5344CB8AC3E}">
-        <p14:creationId xmlns:p14="http://schemas.microsoft.com/office/powerpoint/2010/main" val="3042238593"/>
-      </p:ext>
-    </p:extLst>
-  </p:cSld>
-  <p:clrMapOvr>
-    <a:masterClrMapping/>
-  </p:clrMapOvr>
-</p:notes>
-</file>
-
-<file path=ppt/notesSlides/notesSlide7.xml><?xml version="1.0" encoding="utf-8"?>
-<p:notes xmlns:a="http://schemas.openxmlformats.org/drawingml/2006/main" xmlns:r="http://schemas.openxmlformats.org/officeDocument/2006/relationships" xmlns:p="http://schemas.openxmlformats.org/presentationml/2006/main">
-  <p:cSld>
-    <p:spTree>
-      <p:nvGrpSpPr>
-        <p:cNvPr id="1" name="">
-          <a:extLst>
-            <a:ext uri="{FF2B5EF4-FFF2-40B4-BE49-F238E27FC236}">
-              <a16:creationId xmlns:a16="http://schemas.microsoft.com/office/drawing/2014/main" id="{A86A456D-2B86-CA91-E265-39C4B9A14A67}"/>
-            </a:ext>
-          </a:extLst>
-        </p:cNvPr>
-        <p:cNvGrpSpPr/>
-        <p:nvPr/>
-      </p:nvGrpSpPr>
-      <p:grpSpPr>
-        <a:xfrm>
-          <a:off x="0" y="0"/>
-          <a:ext cx="0" cy="0"/>
-          <a:chOff x="0" y="0"/>
-          <a:chExt cx="0" cy="0"/>
-        </a:xfrm>
-      </p:grpSpPr>
-      <p:sp>
-        <p:nvSpPr>
-          <p:cNvPr id="2" name="Slide Image Placeholder 1">
-            <a:extLst>
-              <a:ext uri="{FF2B5EF4-FFF2-40B4-BE49-F238E27FC236}">
-                <a16:creationId xmlns:a16="http://schemas.microsoft.com/office/drawing/2014/main" id="{6B995847-4D5C-CB41-D1D7-E534E987E295}"/>
-              </a:ext>
-            </a:extLst>
-          </p:cNvPr>
-          <p:cNvSpPr>
-            <a:spLocks noGrp="1" noRot="1" noChangeAspect="1"/>
-          </p:cNvSpPr>
-          <p:nvPr>
-            <p:ph type="sldImg"/>
-          </p:nvPr>
-        </p:nvSpPr>
-        <p:spPr/>
-      </p:sp>
-      <p:sp>
-        <p:nvSpPr>
-          <p:cNvPr id="3" name="Notes Placeholder 2">
-            <a:extLst>
-              <a:ext uri="{FF2B5EF4-FFF2-40B4-BE49-F238E27FC236}">
-                <a16:creationId xmlns:a16="http://schemas.microsoft.com/office/drawing/2014/main" id="{A4A52E05-6906-4A92-2FAC-64C3C807614C}"/>
-              </a:ext>
-            </a:extLst>
-          </p:cNvPr>
-          <p:cNvSpPr>
-            <a:spLocks noGrp="1"/>
-          </p:cNvSpPr>
-          <p:nvPr>
-            <p:ph type="body" idx="1"/>
-          </p:nvPr>
-        </p:nvSpPr>
-        <p:spPr/>
-        <p:txBody>
-          <a:bodyPr/>
-          <a:lstStyle/>
-          <a:p>
-            <a:r>
-              <a:rPr lang="en-US" dirty="0"/>
-              <a:t>Where can you find quantized models?</a:t>
-            </a:r>
-          </a:p>
-          <a:p>
-            <a:r>
-              <a:rPr lang="en-US" dirty="0"/>
-              <a:t>Hugging Face again. Tom </a:t>
-            </a:r>
-            <a:r>
-              <a:rPr lang="en-US" dirty="0" err="1"/>
-              <a:t>Jobbins</a:t>
-            </a:r>
-            <a:r>
-              <a:rPr lang="en-US" dirty="0"/>
-              <a:t>, AKA TheBloke, is responsible for quantizing almost every model out there today.</a:t>
-            </a:r>
-          </a:p>
-        </p:txBody>
-      </p:sp>
-      <p:sp>
-        <p:nvSpPr>
-          <p:cNvPr id="4" name="Slide Number Placeholder 3">
-            <a:extLst>
-              <a:ext uri="{FF2B5EF4-FFF2-40B4-BE49-F238E27FC236}">
-                <a16:creationId xmlns:a16="http://schemas.microsoft.com/office/drawing/2014/main" id="{2CA10173-37A7-2CBC-BDC1-D6DAB1829E0E}"/>
-              </a:ext>
-            </a:extLst>
-          </p:cNvPr>
-          <p:cNvSpPr>
-            <a:spLocks noGrp="1"/>
-          </p:cNvSpPr>
-          <p:nvPr>
-            <p:ph type="sldNum" sz="quarter" idx="5"/>
-          </p:nvPr>
-        </p:nvSpPr>
-        <p:spPr/>
-        <p:txBody>
-          <a:bodyPr/>
-          <a:lstStyle/>
-          <a:p>
-            <a:fld id="{FE27E4C1-A6EC-8946-BBCD-755D8945F25F}" type="slidenum">
-              <a:rPr lang="en-US" smtClean="0"/>
-              <a:t>8</a:t>
-            </a:fld>
-            <a:endParaRPr lang="en-US"/>
-          </a:p>
-        </p:txBody>
-      </p:sp>
-    </p:spTree>
-    <p:extLst>
-      <p:ext uri="{BB962C8B-B14F-4D97-AF65-F5344CB8AC3E}">
-        <p14:creationId xmlns:p14="http://schemas.microsoft.com/office/powerpoint/2010/main" val="2514510506"/>
-      </p:ext>
-    </p:extLst>
-  </p:cSld>
-  <p:clrMapOvr>
-    <a:masterClrMapping/>
-  </p:clrMapOvr>
-</p:notes>
-</file>
-
-<file path=ppt/notesSlides/notesSlide8.xml><?xml version="1.0" encoding="utf-8"?>
-<p:notes xmlns:a="http://schemas.openxmlformats.org/drawingml/2006/main" xmlns:r="http://schemas.openxmlformats.org/officeDocument/2006/relationships" xmlns:p="http://schemas.openxmlformats.org/presentationml/2006/main">
-  <p:cSld>
-    <p:spTree>
-      <p:nvGrpSpPr>
-        <p:cNvPr id="1" name="">
-          <a:extLst>
-            <a:ext uri="{FF2B5EF4-FFF2-40B4-BE49-F238E27FC236}">
-              <a16:creationId xmlns:a16="http://schemas.microsoft.com/office/drawing/2014/main" id="{08EEDE06-118B-3FD7-BDF0-70E816E6B48C}"/>
-            </a:ext>
-          </a:extLst>
-        </p:cNvPr>
-        <p:cNvGrpSpPr/>
-        <p:nvPr/>
-      </p:nvGrpSpPr>
-      <p:grpSpPr>
-        <a:xfrm>
-          <a:off x="0" y="0"/>
-          <a:ext cx="0" cy="0"/>
-          <a:chOff x="0" y="0"/>
-          <a:chExt cx="0" cy="0"/>
-        </a:xfrm>
-      </p:grpSpPr>
-      <p:sp>
-        <p:nvSpPr>
-          <p:cNvPr id="2" name="Slide Image Placeholder 1">
-            <a:extLst>
-              <a:ext uri="{FF2B5EF4-FFF2-40B4-BE49-F238E27FC236}">
-                <a16:creationId xmlns:a16="http://schemas.microsoft.com/office/drawing/2014/main" id="{CCC4F0CA-7672-4D68-A90F-E8E427219D2A}"/>
-              </a:ext>
-            </a:extLst>
-          </p:cNvPr>
-          <p:cNvSpPr>
-            <a:spLocks noGrp="1" noRot="1" noChangeAspect="1"/>
-          </p:cNvSpPr>
-          <p:nvPr>
-            <p:ph type="sldImg"/>
-          </p:nvPr>
-        </p:nvSpPr>
-        <p:spPr/>
-      </p:sp>
-      <p:sp>
-        <p:nvSpPr>
-          <p:cNvPr id="3" name="Notes Placeholder 2">
-            <a:extLst>
-              <a:ext uri="{FF2B5EF4-FFF2-40B4-BE49-F238E27FC236}">
-                <a16:creationId xmlns:a16="http://schemas.microsoft.com/office/drawing/2014/main" id="{CC8F62C3-111B-5581-1923-D1A6387B51B2}"/>
-              </a:ext>
-            </a:extLst>
-          </p:cNvPr>
-          <p:cNvSpPr>
-            <a:spLocks noGrp="1"/>
-          </p:cNvSpPr>
-          <p:nvPr>
-            <p:ph type="body" idx="1"/>
-          </p:nvPr>
-        </p:nvSpPr>
-        <p:spPr/>
-        <p:txBody>
-          <a:bodyPr/>
-          <a:lstStyle/>
-          <a:p>
-            <a:r>
-              <a:rPr lang="en-US" dirty="0"/>
-              <a:t>Intro to </a:t>
-            </a:r>
-            <a:r>
-              <a:rPr lang="en-US" dirty="0" err="1"/>
-              <a:t>LoRA</a:t>
-            </a:r>
-            <a:r>
-              <a:rPr lang="en-US" dirty="0"/>
-              <a:t>:</a:t>
-            </a:r>
-          </a:p>
-          <a:p>
-            <a:endParaRPr lang="en-US" dirty="0"/>
-          </a:p>
-          <a:p>
-            <a:endParaRPr lang="en-US" dirty="0"/>
-          </a:p>
-          <a:p>
-            <a:r>
-              <a:rPr lang="en-US" dirty="0"/>
-              <a:t>PEFT Library</a:t>
-            </a:r>
-          </a:p>
-        </p:txBody>
-      </p:sp>
-      <p:sp>
-        <p:nvSpPr>
-          <p:cNvPr id="4" name="Slide Number Placeholder 3">
-            <a:extLst>
-              <a:ext uri="{FF2B5EF4-FFF2-40B4-BE49-F238E27FC236}">
-                <a16:creationId xmlns:a16="http://schemas.microsoft.com/office/drawing/2014/main" id="{9A829D3D-C5A8-CF22-DF67-0DC34B81A465}"/>
-              </a:ext>
-            </a:extLst>
-          </p:cNvPr>
-          <p:cNvSpPr>
-            <a:spLocks noGrp="1"/>
-          </p:cNvSpPr>
-          <p:nvPr>
-            <p:ph type="sldNum" sz="quarter" idx="5"/>
-          </p:nvPr>
-        </p:nvSpPr>
-        <p:spPr/>
-        <p:txBody>
-          <a:bodyPr/>
-          <a:lstStyle/>
-          <a:p>
-            <a:fld id="{FE27E4C1-A6EC-8946-BBCD-755D8945F25F}" type="slidenum">
-              <a:rPr lang="en-US" smtClean="0"/>
-              <a:t>9</a:t>
-            </a:fld>
-            <a:endParaRPr lang="en-US"/>
-          </a:p>
-        </p:txBody>
-      </p:sp>
-    </p:spTree>
-    <p:extLst>
-      <p:ext uri="{BB962C8B-B14F-4D97-AF65-F5344CB8AC3E}">
-        <p14:creationId xmlns:p14="http://schemas.microsoft.com/office/powerpoint/2010/main" val="2576315019"/>
-      </p:ext>
-    </p:extLst>
-  </p:cSld>
-  <p:clrMapOvr>
-    <a:masterClrMapping/>
-  </p:clrMapOvr>
-</p:notes>
-</file>
-
-<file path=ppt/notesSlides/notesSlide9.xml><?xml version="1.0" encoding="utf-8"?>
-<p:notes xmlns:a="http://schemas.openxmlformats.org/drawingml/2006/main" xmlns:r="http://schemas.openxmlformats.org/officeDocument/2006/relationships" xmlns:p="http://schemas.openxmlformats.org/presentationml/2006/main">
-  <p:cSld>
-    <p:spTree>
-      <p:nvGrpSpPr>
-        <p:cNvPr id="1" name="">
-          <a:extLst>
-            <a:ext uri="{FF2B5EF4-FFF2-40B4-BE49-F238E27FC236}">
               <a16:creationId xmlns:a16="http://schemas.microsoft.com/office/drawing/2014/main" id="{0004C96C-270A-924D-7CBB-01C4A6DC0329}"/>
             </a:ext>
           </a:extLst>
@@ -1734,7 +694,7 @@
               <a:p>
                 <a:r>
                   <a:rPr lang="en-US" baseline="0" dirty="0"/>
-                  <a:t>In QLoRA, we first get the low-rank matrices for the weights, then we quantize the weights, but A and B are kept in their high-precision form. We only compute the gradients for the </a:t>
+                  <a:t>In QLoRA, we first get the low-rank matrices for the weights, then we quantize the full weights, but A and B are kept in their high-precision form. We only compute the gradients for the </a:t>
                 </a:r>
                 <a:r>
                   <a:rPr lang="en-US" baseline="0" dirty="0" err="1"/>
@@ -1881,7 +841,7 @@
           <a:p>
             <a:fld id="{FE27E4C1-A6EC-8946-BBCD-755D8945F25F}" type="slidenum">
               <a:rPr lang="en-US" smtClean="0"/>
-              <a:t>10</a:t>
+              <a:t>11</a:t>
             </a:fld>
             <a:endParaRPr lang="en-US"/>
           </a:p>
@@ -1891,6 +851,1131 @@
     <p:extLst>
       <p:ext uri="{BB962C8B-B14F-4D97-AF65-F5344CB8AC3E}">
         <p14:creationId xmlns:p14="http://schemas.microsoft.com/office/powerpoint/2010/main" val="356303731"/>
+      </p:ext>
+    </p:extLst>
+  </p:cSld>
+  <p:clrMapOvr>
+    <a:masterClrMapping/>
+  </p:clrMapOvr>
+</p:notes>
+</file>
+
+<file path=ppt/notesSlides/notesSlide11.xml><?xml version="1.0" encoding="utf-8"?>
+<p:notes xmlns:a="http://schemas.openxmlformats.org/drawingml/2006/main" xmlns:r="http://schemas.openxmlformats.org/officeDocument/2006/relationships" xmlns:p="http://schemas.openxmlformats.org/presentationml/2006/main">
+  <p:cSld>
+    <p:spTree>
+      <p:nvGrpSpPr>
+        <p:cNvPr id="1" name="">
+          <a:extLst>
+            <a:ext uri="{FF2B5EF4-FFF2-40B4-BE49-F238E27FC236}">
+              <a16:creationId xmlns:a16="http://schemas.microsoft.com/office/drawing/2014/main" id="{7476EC7A-F403-F18D-3056-DB23F2F064B1}"/>
+            </a:ext>
+          </a:extLst>
+        </p:cNvPr>
+        <p:cNvGrpSpPr/>
+        <p:nvPr/>
+      </p:nvGrpSpPr>
+      <p:grpSpPr>
+        <a:xfrm>
+          <a:off x="0" y="0"/>
+          <a:ext cx="0" cy="0"/>
+          <a:chOff x="0" y="0"/>
+          <a:chExt cx="0" cy="0"/>
+        </a:xfrm>
+      </p:grpSpPr>
+      <p:sp>
+        <p:nvSpPr>
+          <p:cNvPr id="2" name="Slide Image Placeholder 1">
+            <a:extLst>
+              <a:ext uri="{FF2B5EF4-FFF2-40B4-BE49-F238E27FC236}">
+                <a16:creationId xmlns:a16="http://schemas.microsoft.com/office/drawing/2014/main" id="{E89AE426-0DDE-D183-6A20-E4197D5B844F}"/>
+              </a:ext>
+            </a:extLst>
+          </p:cNvPr>
+          <p:cNvSpPr>
+            <a:spLocks noGrp="1" noRot="1" noChangeAspect="1"/>
+          </p:cNvSpPr>
+          <p:nvPr>
+            <p:ph type="sldImg"/>
+          </p:nvPr>
+        </p:nvSpPr>
+        <p:spPr/>
+      </p:sp>
+      <p:sp>
+        <p:nvSpPr>
+          <p:cNvPr id="3" name="Notes Placeholder 2">
+            <a:extLst>
+              <a:ext uri="{FF2B5EF4-FFF2-40B4-BE49-F238E27FC236}">
+                <a16:creationId xmlns:a16="http://schemas.microsoft.com/office/drawing/2014/main" id="{02084F23-1194-9016-6DFA-74D526AC96A5}"/>
+              </a:ext>
+            </a:extLst>
+          </p:cNvPr>
+          <p:cNvSpPr>
+            <a:spLocks noGrp="1"/>
+          </p:cNvSpPr>
+          <p:nvPr>
+            <p:ph type="body" idx="1"/>
+          </p:nvPr>
+        </p:nvSpPr>
+        <p:spPr/>
+        <p:txBody>
+          <a:bodyPr/>
+          <a:lstStyle/>
+          <a:p>
+            <a:r>
+              <a:rPr lang="en-US" dirty="0"/>
+              <a:t>.</a:t>
+            </a:r>
+          </a:p>
+        </p:txBody>
+      </p:sp>
+      <p:sp>
+        <p:nvSpPr>
+          <p:cNvPr id="4" name="Slide Number Placeholder 3">
+            <a:extLst>
+              <a:ext uri="{FF2B5EF4-FFF2-40B4-BE49-F238E27FC236}">
+                <a16:creationId xmlns:a16="http://schemas.microsoft.com/office/drawing/2014/main" id="{AE1842BD-253B-7855-A56F-776ECD43DDA8}"/>
+              </a:ext>
+            </a:extLst>
+          </p:cNvPr>
+          <p:cNvSpPr>
+            <a:spLocks noGrp="1"/>
+          </p:cNvSpPr>
+          <p:nvPr>
+            <p:ph type="sldNum" sz="quarter" idx="5"/>
+          </p:nvPr>
+        </p:nvSpPr>
+        <p:spPr/>
+        <p:txBody>
+          <a:bodyPr/>
+          <a:lstStyle/>
+          <a:p>
+            <a:fld id="{FE27E4C1-A6EC-8946-BBCD-755D8945F25F}" type="slidenum">
+              <a:rPr lang="en-US" smtClean="0"/>
+              <a:t>12</a:t>
+            </a:fld>
+            <a:endParaRPr lang="en-US"/>
+          </a:p>
+        </p:txBody>
+      </p:sp>
+    </p:spTree>
+    <p:extLst>
+      <p:ext uri="{BB962C8B-B14F-4D97-AF65-F5344CB8AC3E}">
+        <p14:creationId xmlns:p14="http://schemas.microsoft.com/office/powerpoint/2010/main" val="3083215276"/>
+      </p:ext>
+    </p:extLst>
+  </p:cSld>
+  <p:clrMapOvr>
+    <a:masterClrMapping/>
+  </p:clrMapOvr>
+</p:notes>
+</file>
+
+<file path=ppt/notesSlides/notesSlide2.xml><?xml version="1.0" encoding="utf-8"?>
+<p:notes xmlns:a="http://schemas.openxmlformats.org/drawingml/2006/main" xmlns:r="http://schemas.openxmlformats.org/officeDocument/2006/relationships" xmlns:p="http://schemas.openxmlformats.org/presentationml/2006/main">
+  <p:cSld>
+    <p:spTree>
+      <p:nvGrpSpPr>
+        <p:cNvPr id="1" name="">
+          <a:extLst>
+            <a:ext uri="{FF2B5EF4-FFF2-40B4-BE49-F238E27FC236}">
+              <a16:creationId xmlns:a16="http://schemas.microsoft.com/office/drawing/2014/main" id="{52261FDB-C3EA-505B-7119-B4810F27D759}"/>
+            </a:ext>
+          </a:extLst>
+        </p:cNvPr>
+        <p:cNvGrpSpPr/>
+        <p:nvPr/>
+      </p:nvGrpSpPr>
+      <p:grpSpPr>
+        <a:xfrm>
+          <a:off x="0" y="0"/>
+          <a:ext cx="0" cy="0"/>
+          <a:chOff x="0" y="0"/>
+          <a:chExt cx="0" cy="0"/>
+        </a:xfrm>
+      </p:grpSpPr>
+      <p:sp>
+        <p:nvSpPr>
+          <p:cNvPr id="2" name="Slide Image Placeholder 1">
+            <a:extLst>
+              <a:ext uri="{FF2B5EF4-FFF2-40B4-BE49-F238E27FC236}">
+                <a16:creationId xmlns:a16="http://schemas.microsoft.com/office/drawing/2014/main" id="{3A8A7764-FDAB-30EA-21A9-39FC39606074}"/>
+              </a:ext>
+            </a:extLst>
+          </p:cNvPr>
+          <p:cNvSpPr>
+            <a:spLocks noGrp="1" noRot="1" noChangeAspect="1"/>
+          </p:cNvSpPr>
+          <p:nvPr>
+            <p:ph type="sldImg"/>
+          </p:nvPr>
+        </p:nvSpPr>
+        <p:spPr/>
+      </p:sp>
+      <p:sp>
+        <p:nvSpPr>
+          <p:cNvPr id="3" name="Notes Placeholder 2">
+            <a:extLst>
+              <a:ext uri="{FF2B5EF4-FFF2-40B4-BE49-F238E27FC236}">
+                <a16:creationId xmlns:a16="http://schemas.microsoft.com/office/drawing/2014/main" id="{747E7562-0ECD-593F-8325-D1EB115B45A3}"/>
+              </a:ext>
+            </a:extLst>
+          </p:cNvPr>
+          <p:cNvSpPr>
+            <a:spLocks noGrp="1"/>
+          </p:cNvSpPr>
+          <p:nvPr>
+            <p:ph type="body" idx="1"/>
+          </p:nvPr>
+        </p:nvSpPr>
+        <p:spPr/>
+        <p:txBody>
+          <a:bodyPr/>
+          <a:lstStyle/>
+          <a:p>
+            <a:r>
+              <a:rPr lang="en-GB" b="1" dirty="0"/>
+              <a:t>What do you really want?</a:t>
+            </a:r>
+            <a:r>
+              <a:rPr lang="en-GB" dirty="0"/>
+              <a:t> There is well-known problem on stack overflow called the XY problem. This occurs when a person tries to solve a problem on their own, pursues a method that seems like a promising approach, gets stuck, and then asks for help with their chosen method (instead of asking for help with the original problem).</a:t>
+            </a:r>
+          </a:p>
+          <a:p>
+            <a:endParaRPr lang="en-GB" dirty="0"/>
+          </a:p>
+        </p:txBody>
+      </p:sp>
+      <p:sp>
+        <p:nvSpPr>
+          <p:cNvPr id="4" name="Slide Number Placeholder 3">
+            <a:extLst>
+              <a:ext uri="{FF2B5EF4-FFF2-40B4-BE49-F238E27FC236}">
+                <a16:creationId xmlns:a16="http://schemas.microsoft.com/office/drawing/2014/main" id="{5061E415-F427-2982-CBE0-CE0A41481F93}"/>
+              </a:ext>
+            </a:extLst>
+          </p:cNvPr>
+          <p:cNvSpPr>
+            <a:spLocks noGrp="1"/>
+          </p:cNvSpPr>
+          <p:nvPr>
+            <p:ph type="sldNum" sz="quarter" idx="5"/>
+          </p:nvPr>
+        </p:nvSpPr>
+        <p:spPr/>
+        <p:txBody>
+          <a:bodyPr/>
+          <a:lstStyle/>
+          <a:p>
+            <a:fld id="{FE27E4C1-A6EC-8946-BBCD-755D8945F25F}" type="slidenum">
+              <a:rPr lang="en-US" smtClean="0"/>
+              <a:t>2</a:t>
+            </a:fld>
+            <a:endParaRPr lang="en-US"/>
+          </a:p>
+        </p:txBody>
+      </p:sp>
+    </p:spTree>
+    <p:extLst>
+      <p:ext uri="{BB962C8B-B14F-4D97-AF65-F5344CB8AC3E}">
+        <p14:creationId xmlns:p14="http://schemas.microsoft.com/office/powerpoint/2010/main" val="4010268612"/>
+      </p:ext>
+    </p:extLst>
+  </p:cSld>
+  <p:clrMapOvr>
+    <a:masterClrMapping/>
+  </p:clrMapOvr>
+</p:notes>
+</file>
+
+<file path=ppt/notesSlides/notesSlide3.xml><?xml version="1.0" encoding="utf-8"?>
+<p:notes xmlns:a="http://schemas.openxmlformats.org/drawingml/2006/main" xmlns:r="http://schemas.openxmlformats.org/officeDocument/2006/relationships" xmlns:p="http://schemas.openxmlformats.org/presentationml/2006/main">
+  <p:cSld>
+    <p:spTree>
+      <p:nvGrpSpPr>
+        <p:cNvPr id="1" name="">
+          <a:extLst>
+            <a:ext uri="{FF2B5EF4-FFF2-40B4-BE49-F238E27FC236}">
+              <a16:creationId xmlns:a16="http://schemas.microsoft.com/office/drawing/2014/main" id="{E054C890-D377-11C6-C8E2-AF3B1864477A}"/>
+            </a:ext>
+          </a:extLst>
+        </p:cNvPr>
+        <p:cNvGrpSpPr/>
+        <p:nvPr/>
+      </p:nvGrpSpPr>
+      <p:grpSpPr>
+        <a:xfrm>
+          <a:off x="0" y="0"/>
+          <a:ext cx="0" cy="0"/>
+          <a:chOff x="0" y="0"/>
+          <a:chExt cx="0" cy="0"/>
+        </a:xfrm>
+      </p:grpSpPr>
+      <p:sp>
+        <p:nvSpPr>
+          <p:cNvPr id="2" name="Slide Image Placeholder 1">
+            <a:extLst>
+              <a:ext uri="{FF2B5EF4-FFF2-40B4-BE49-F238E27FC236}">
+                <a16:creationId xmlns:a16="http://schemas.microsoft.com/office/drawing/2014/main" id="{3B3B599F-4959-AAF3-8A5F-9AD5A56AA251}"/>
+              </a:ext>
+            </a:extLst>
+          </p:cNvPr>
+          <p:cNvSpPr>
+            <a:spLocks noGrp="1" noRot="1" noChangeAspect="1"/>
+          </p:cNvSpPr>
+          <p:nvPr>
+            <p:ph type="sldImg"/>
+          </p:nvPr>
+        </p:nvSpPr>
+        <p:spPr/>
+      </p:sp>
+      <p:sp>
+        <p:nvSpPr>
+          <p:cNvPr id="3" name="Notes Placeholder 2">
+            <a:extLst>
+              <a:ext uri="{FF2B5EF4-FFF2-40B4-BE49-F238E27FC236}">
+                <a16:creationId xmlns:a16="http://schemas.microsoft.com/office/drawing/2014/main" id="{EC737837-A258-EF7E-F811-954FA45CD265}"/>
+              </a:ext>
+            </a:extLst>
+          </p:cNvPr>
+          <p:cNvSpPr>
+            <a:spLocks noGrp="1"/>
+          </p:cNvSpPr>
+          <p:nvPr>
+            <p:ph type="body" idx="1"/>
+          </p:nvPr>
+        </p:nvSpPr>
+        <p:spPr/>
+        <p:txBody>
+          <a:bodyPr/>
+          <a:lstStyle/>
+          <a:p>
+            <a:r>
+              <a:rPr lang="en-GB" b="1" dirty="0"/>
+              <a:t>What do you really want?</a:t>
+            </a:r>
+            <a:r>
+              <a:rPr lang="en-GB" dirty="0"/>
+              <a:t> There is well-known problem on stack overflow called the XY problem. This occurs when a person tries to solve a problem on their own, pursues a method that seems like a promising approach, gets stuck, and then asks for help with their chosen method (instead of asking for help with the original problem).</a:t>
+            </a:r>
+          </a:p>
+          <a:p>
+            <a:endParaRPr lang="en-GB" dirty="0"/>
+          </a:p>
+        </p:txBody>
+      </p:sp>
+      <p:sp>
+        <p:nvSpPr>
+          <p:cNvPr id="4" name="Slide Number Placeholder 3">
+            <a:extLst>
+              <a:ext uri="{FF2B5EF4-FFF2-40B4-BE49-F238E27FC236}">
+                <a16:creationId xmlns:a16="http://schemas.microsoft.com/office/drawing/2014/main" id="{DBB7E075-4A83-DD8F-403E-B091C8502C43}"/>
+              </a:ext>
+            </a:extLst>
+          </p:cNvPr>
+          <p:cNvSpPr>
+            <a:spLocks noGrp="1"/>
+          </p:cNvSpPr>
+          <p:nvPr>
+            <p:ph type="sldNum" sz="quarter" idx="5"/>
+          </p:nvPr>
+        </p:nvSpPr>
+        <p:spPr/>
+        <p:txBody>
+          <a:bodyPr/>
+          <a:lstStyle/>
+          <a:p>
+            <a:fld id="{FE27E4C1-A6EC-8946-BBCD-755D8945F25F}" type="slidenum">
+              <a:rPr lang="en-US" smtClean="0"/>
+              <a:t>3</a:t>
+            </a:fld>
+            <a:endParaRPr lang="en-US"/>
+          </a:p>
+        </p:txBody>
+      </p:sp>
+    </p:spTree>
+    <p:extLst>
+      <p:ext uri="{BB962C8B-B14F-4D97-AF65-F5344CB8AC3E}">
+        <p14:creationId xmlns:p14="http://schemas.microsoft.com/office/powerpoint/2010/main" val="1243698402"/>
+      </p:ext>
+    </p:extLst>
+  </p:cSld>
+  <p:clrMapOvr>
+    <a:masterClrMapping/>
+  </p:clrMapOvr>
+</p:notes>
+</file>
+
+<file path=ppt/notesSlides/notesSlide4.xml><?xml version="1.0" encoding="utf-8"?>
+<p:notes xmlns:a="http://schemas.openxmlformats.org/drawingml/2006/main" xmlns:r="http://schemas.openxmlformats.org/officeDocument/2006/relationships" xmlns:p="http://schemas.openxmlformats.org/presentationml/2006/main">
+  <p:cSld>
+    <p:spTree>
+      <p:nvGrpSpPr>
+        <p:cNvPr id="1" name="">
+          <a:extLst>
+            <a:ext uri="{FF2B5EF4-FFF2-40B4-BE49-F238E27FC236}">
+              <a16:creationId xmlns:a16="http://schemas.microsoft.com/office/drawing/2014/main" id="{0F72D91B-DAE4-9DFB-DCD9-36D33EA8CFA6}"/>
+            </a:ext>
+          </a:extLst>
+        </p:cNvPr>
+        <p:cNvGrpSpPr/>
+        <p:nvPr/>
+      </p:nvGrpSpPr>
+      <p:grpSpPr>
+        <a:xfrm>
+          <a:off x="0" y="0"/>
+          <a:ext cx="0" cy="0"/>
+          <a:chOff x="0" y="0"/>
+          <a:chExt cx="0" cy="0"/>
+        </a:xfrm>
+      </p:grpSpPr>
+      <p:sp>
+        <p:nvSpPr>
+          <p:cNvPr id="2" name="Slide Image Placeholder 1">
+            <a:extLst>
+              <a:ext uri="{FF2B5EF4-FFF2-40B4-BE49-F238E27FC236}">
+                <a16:creationId xmlns:a16="http://schemas.microsoft.com/office/drawing/2014/main" id="{1375DE95-C486-40BE-66F3-36435587D79B}"/>
+              </a:ext>
+            </a:extLst>
+          </p:cNvPr>
+          <p:cNvSpPr>
+            <a:spLocks noGrp="1" noRot="1" noChangeAspect="1"/>
+          </p:cNvSpPr>
+          <p:nvPr>
+            <p:ph type="sldImg"/>
+          </p:nvPr>
+        </p:nvSpPr>
+        <p:spPr/>
+      </p:sp>
+      <p:sp>
+        <p:nvSpPr>
+          <p:cNvPr id="3" name="Notes Placeholder 2">
+            <a:extLst>
+              <a:ext uri="{FF2B5EF4-FFF2-40B4-BE49-F238E27FC236}">
+                <a16:creationId xmlns:a16="http://schemas.microsoft.com/office/drawing/2014/main" id="{F791C094-1FB0-9D16-9F89-FA20A0B3AF72}"/>
+              </a:ext>
+            </a:extLst>
+          </p:cNvPr>
+          <p:cNvSpPr>
+            <a:spLocks noGrp="1"/>
+          </p:cNvSpPr>
+          <p:nvPr>
+            <p:ph type="body" idx="1"/>
+          </p:nvPr>
+        </p:nvSpPr>
+        <p:spPr/>
+        <p:txBody>
+          <a:bodyPr/>
+          <a:lstStyle/>
+          <a:p>
+            <a:r>
+              <a:rPr lang="en-GB" dirty="0"/>
+              <a:t>So having said all this, it’s possible that you may not need a “large” LLM, and your needs may be met by a smaller model. Similarly, it is tempting to want to fine-tune your model with further pretraining on your own data, but it’s likely that a model may already exist that does the job. A really go way to see whether you can get away with a simple model, would be to check the Hugging face </a:t>
+            </a:r>
+            <a:r>
+              <a:rPr lang="en-GB" dirty="0" err="1"/>
+              <a:t>leaderboards</a:t>
+            </a:r>
+            <a:r>
+              <a:rPr lang="en-GB" dirty="0"/>
+              <a:t>. As well as the Open LLM board already mentioned, there is also the MTEB board.</a:t>
+            </a:r>
+          </a:p>
+          <a:p>
+            <a:endParaRPr lang="en-GB" dirty="0"/>
+          </a:p>
+          <a:p>
+            <a:endParaRPr lang="en-GB" dirty="0"/>
+          </a:p>
+          <a:p>
+            <a:endParaRPr lang="en-US" dirty="0"/>
+          </a:p>
+        </p:txBody>
+      </p:sp>
+      <p:sp>
+        <p:nvSpPr>
+          <p:cNvPr id="4" name="Slide Number Placeholder 3">
+            <a:extLst>
+              <a:ext uri="{FF2B5EF4-FFF2-40B4-BE49-F238E27FC236}">
+                <a16:creationId xmlns:a16="http://schemas.microsoft.com/office/drawing/2014/main" id="{A09A0EE3-0E9B-1E4E-FE00-5AB4E5C6D3B7}"/>
+              </a:ext>
+            </a:extLst>
+          </p:cNvPr>
+          <p:cNvSpPr>
+            <a:spLocks noGrp="1"/>
+          </p:cNvSpPr>
+          <p:nvPr>
+            <p:ph type="sldNum" sz="quarter" idx="5"/>
+          </p:nvPr>
+        </p:nvSpPr>
+        <p:spPr/>
+        <p:txBody>
+          <a:bodyPr/>
+          <a:lstStyle/>
+          <a:p>
+            <a:fld id="{FE27E4C1-A6EC-8946-BBCD-755D8945F25F}" type="slidenum">
+              <a:rPr lang="en-US" smtClean="0"/>
+              <a:t>4</a:t>
+            </a:fld>
+            <a:endParaRPr lang="en-US"/>
+          </a:p>
+        </p:txBody>
+      </p:sp>
+    </p:spTree>
+    <p:extLst>
+      <p:ext uri="{BB962C8B-B14F-4D97-AF65-F5344CB8AC3E}">
+        <p14:creationId xmlns:p14="http://schemas.microsoft.com/office/powerpoint/2010/main" val="3437101776"/>
+      </p:ext>
+    </p:extLst>
+  </p:cSld>
+  <p:clrMapOvr>
+    <a:masterClrMapping/>
+  </p:clrMapOvr>
+</p:notes>
+</file>
+
+<file path=ppt/notesSlides/notesSlide5.xml><?xml version="1.0" encoding="utf-8"?>
+<p:notes xmlns:a="http://schemas.openxmlformats.org/drawingml/2006/main" xmlns:r="http://schemas.openxmlformats.org/officeDocument/2006/relationships" xmlns:p="http://schemas.openxmlformats.org/presentationml/2006/main">
+  <p:cSld>
+    <p:spTree>
+      <p:nvGrpSpPr>
+        <p:cNvPr id="1" name=""/>
+        <p:cNvGrpSpPr/>
+        <p:nvPr/>
+      </p:nvGrpSpPr>
+      <p:grpSpPr>
+        <a:xfrm>
+          <a:off x="0" y="0"/>
+          <a:ext cx="0" cy="0"/>
+          <a:chOff x="0" y="0"/>
+          <a:chExt cx="0" cy="0"/>
+        </a:xfrm>
+      </p:grpSpPr>
+      <p:sp>
+        <p:nvSpPr>
+          <p:cNvPr id="2" name="Slide Image Placeholder 1"/>
+          <p:cNvSpPr>
+            <a:spLocks noGrp="1" noRot="1" noChangeAspect="1"/>
+          </p:cNvSpPr>
+          <p:nvPr>
+            <p:ph type="sldImg"/>
+          </p:nvPr>
+        </p:nvSpPr>
+        <p:spPr/>
+      </p:sp>
+      <p:sp>
+        <p:nvSpPr>
+          <p:cNvPr id="3" name="Notes Placeholder 2"/>
+          <p:cNvSpPr>
+            <a:spLocks noGrp="1"/>
+          </p:cNvSpPr>
+          <p:nvPr>
+            <p:ph type="body" idx="1"/>
+          </p:nvPr>
+        </p:nvSpPr>
+        <p:spPr/>
+        <p:txBody>
+          <a:bodyPr/>
+          <a:lstStyle/>
+          <a:p>
+            <a:endParaRPr lang="en-US" dirty="0"/>
+          </a:p>
+        </p:txBody>
+      </p:sp>
+      <p:sp>
+        <p:nvSpPr>
+          <p:cNvPr id="4" name="Slide Number Placeholder 3"/>
+          <p:cNvSpPr>
+            <a:spLocks noGrp="1"/>
+          </p:cNvSpPr>
+          <p:nvPr>
+            <p:ph type="sldNum" sz="quarter" idx="5"/>
+          </p:nvPr>
+        </p:nvSpPr>
+        <p:spPr/>
+        <p:txBody>
+          <a:bodyPr/>
+          <a:lstStyle/>
+          <a:p>
+            <a:fld id="{738D06E6-B137-AB4C-A7BA-77450BF6A303}" type="slidenum">
+              <a:rPr lang="en-US" smtClean="0"/>
+              <a:t>5</a:t>
+            </a:fld>
+            <a:endParaRPr lang="en-US"/>
+          </a:p>
+        </p:txBody>
+      </p:sp>
+    </p:spTree>
+    <p:extLst>
+      <p:ext uri="{BB962C8B-B14F-4D97-AF65-F5344CB8AC3E}">
+        <p14:creationId xmlns:p14="http://schemas.microsoft.com/office/powerpoint/2010/main" val="211475708"/>
+      </p:ext>
+    </p:extLst>
+  </p:cSld>
+  <p:clrMapOvr>
+    <a:masterClrMapping/>
+  </p:clrMapOvr>
+</p:notes>
+</file>
+
+<file path=ppt/notesSlides/notesSlide6.xml><?xml version="1.0" encoding="utf-8"?>
+<p:notes xmlns:a="http://schemas.openxmlformats.org/drawingml/2006/main" xmlns:r="http://schemas.openxmlformats.org/officeDocument/2006/relationships" xmlns:p="http://schemas.openxmlformats.org/presentationml/2006/main">
+  <p:cSld>
+    <p:spTree>
+      <p:nvGrpSpPr>
+        <p:cNvPr id="1" name=""/>
+        <p:cNvGrpSpPr/>
+        <p:nvPr/>
+      </p:nvGrpSpPr>
+      <p:grpSpPr>
+        <a:xfrm>
+          <a:off x="0" y="0"/>
+          <a:ext cx="0" cy="0"/>
+          <a:chOff x="0" y="0"/>
+          <a:chExt cx="0" cy="0"/>
+        </a:xfrm>
+      </p:grpSpPr>
+      <p:sp>
+        <p:nvSpPr>
+          <p:cNvPr id="2" name="Slide Image Placeholder 1"/>
+          <p:cNvSpPr>
+            <a:spLocks noGrp="1" noRot="1" noChangeAspect="1"/>
+          </p:cNvSpPr>
+          <p:nvPr>
+            <p:ph type="sldImg"/>
+          </p:nvPr>
+        </p:nvSpPr>
+        <p:spPr/>
+      </p:sp>
+      <p:sp>
+        <p:nvSpPr>
+          <p:cNvPr id="3" name="Notes Placeholder 2"/>
+          <p:cNvSpPr>
+            <a:spLocks noGrp="1"/>
+          </p:cNvSpPr>
+          <p:nvPr>
+            <p:ph type="body" idx="1"/>
+          </p:nvPr>
+        </p:nvSpPr>
+        <p:spPr/>
+        <p:txBody>
+          <a:bodyPr/>
+          <a:lstStyle/>
+          <a:p>
+            <a:r>
+              <a:rPr lang="en-US" dirty="0"/>
+              <a:t>Many of the best LLMs have a lot of parameters. You need 140GiB of GPU memory to use Llama-2-70B for example. An Nvidia A100 has 80GiB, so you need two of them. Each one is about 15-20k. So to load Llama-2-70B, to run inference, you’re going to need to spend a lot of money.</a:t>
+            </a:r>
+          </a:p>
+          <a:p>
+            <a:endParaRPr lang="en-US" dirty="0"/>
+          </a:p>
+        </p:txBody>
+      </p:sp>
+      <p:sp>
+        <p:nvSpPr>
+          <p:cNvPr id="4" name="Slide Number Placeholder 3"/>
+          <p:cNvSpPr>
+            <a:spLocks noGrp="1"/>
+          </p:cNvSpPr>
+          <p:nvPr>
+            <p:ph type="sldNum" sz="quarter" idx="5"/>
+          </p:nvPr>
+        </p:nvSpPr>
+        <p:spPr/>
+        <p:txBody>
+          <a:bodyPr/>
+          <a:lstStyle/>
+          <a:p>
+            <a:fld id="{FE27E4C1-A6EC-8946-BBCD-755D8945F25F}" type="slidenum">
+              <a:rPr lang="en-US" smtClean="0"/>
+              <a:t>7</a:t>
+            </a:fld>
+            <a:endParaRPr lang="en-US"/>
+          </a:p>
+        </p:txBody>
+      </p:sp>
+    </p:spTree>
+    <p:extLst>
+      <p:ext uri="{BB962C8B-B14F-4D97-AF65-F5344CB8AC3E}">
+        <p14:creationId xmlns:p14="http://schemas.microsoft.com/office/powerpoint/2010/main" val="1618101389"/>
+      </p:ext>
+    </p:extLst>
+  </p:cSld>
+  <p:clrMapOvr>
+    <a:masterClrMapping/>
+  </p:clrMapOvr>
+</p:notes>
+</file>
+
+<file path=ppt/notesSlides/notesSlide7.xml><?xml version="1.0" encoding="utf-8"?>
+<p:notes xmlns:a="http://schemas.openxmlformats.org/drawingml/2006/main" xmlns:r="http://schemas.openxmlformats.org/officeDocument/2006/relationships" xmlns:p="http://schemas.openxmlformats.org/presentationml/2006/main">
+  <p:cSld>
+    <p:spTree>
+      <p:nvGrpSpPr>
+        <p:cNvPr id="1" name="">
+          <a:extLst>
+            <a:ext uri="{FF2B5EF4-FFF2-40B4-BE49-F238E27FC236}">
+              <a16:creationId xmlns:a16="http://schemas.microsoft.com/office/drawing/2014/main" id="{8274761D-F4AD-2B9B-25A0-5140A59F405B}"/>
+            </a:ext>
+          </a:extLst>
+        </p:cNvPr>
+        <p:cNvGrpSpPr/>
+        <p:nvPr/>
+      </p:nvGrpSpPr>
+      <p:grpSpPr>
+        <a:xfrm>
+          <a:off x="0" y="0"/>
+          <a:ext cx="0" cy="0"/>
+          <a:chOff x="0" y="0"/>
+          <a:chExt cx="0" cy="0"/>
+        </a:xfrm>
+      </p:grpSpPr>
+      <p:sp>
+        <p:nvSpPr>
+          <p:cNvPr id="2" name="Slide Image Placeholder 1">
+            <a:extLst>
+              <a:ext uri="{FF2B5EF4-FFF2-40B4-BE49-F238E27FC236}">
+                <a16:creationId xmlns:a16="http://schemas.microsoft.com/office/drawing/2014/main" id="{EF66E101-BBB1-87D4-78E9-59CC92F29A5D}"/>
+              </a:ext>
+            </a:extLst>
+          </p:cNvPr>
+          <p:cNvSpPr>
+            <a:spLocks noGrp="1" noRot="1" noChangeAspect="1"/>
+          </p:cNvSpPr>
+          <p:nvPr>
+            <p:ph type="sldImg"/>
+          </p:nvPr>
+        </p:nvSpPr>
+        <p:spPr/>
+      </p:sp>
+      <p:sp>
+        <p:nvSpPr>
+          <p:cNvPr id="3" name="Notes Placeholder 2">
+            <a:extLst>
+              <a:ext uri="{FF2B5EF4-FFF2-40B4-BE49-F238E27FC236}">
+                <a16:creationId xmlns:a16="http://schemas.microsoft.com/office/drawing/2014/main" id="{8A468045-2ADE-BF94-77A8-E4EAA9F7D47C}"/>
+              </a:ext>
+            </a:extLst>
+          </p:cNvPr>
+          <p:cNvSpPr>
+            <a:spLocks noGrp="1"/>
+          </p:cNvSpPr>
+          <p:nvPr>
+            <p:ph type="body" idx="1"/>
+          </p:nvPr>
+        </p:nvSpPr>
+        <p:spPr/>
+        <p:txBody>
+          <a:bodyPr/>
+          <a:lstStyle/>
+          <a:p>
+            <a:r>
+              <a:rPr lang="en-US" dirty="0"/>
+              <a:t>There are two types of quantization:</a:t>
+            </a:r>
+          </a:p>
+          <a:p>
+            <a:endParaRPr lang="en-US" dirty="0"/>
+          </a:p>
+          <a:p>
+            <a:r>
+              <a:rPr lang="en-US" dirty="0"/>
+              <a:t>– PTQ. This converts the weights of an already trained or fine-tuned model to a lower precision. It’s fairly straightforward to implement.</a:t>
+            </a:r>
+          </a:p>
+          <a:p>
+            <a:r>
+              <a:rPr lang="en-US" dirty="0"/>
+              <a:t>– QAT. Does the weight conversion during training. Can be more expensive. An example of this is QLoRA, which we will briefly discuss.</a:t>
+            </a:r>
+          </a:p>
+          <a:p>
+            <a:endParaRPr lang="en-US" dirty="0"/>
+          </a:p>
+          <a:p>
+            <a:r>
+              <a:rPr lang="en-US" dirty="0"/>
+              <a:t>For post-quantization, there are a number of methods:</a:t>
+            </a:r>
+          </a:p>
+          <a:p>
+            <a:pPr marL="457200" marR="0" lvl="1" indent="0" algn="l" defTabSz="914400" rtl="0" eaLnBrk="1" fontAlgn="auto" latinLnBrk="0" hangingPunct="1">
+              <a:lnSpc>
+                <a:spcPct val="100000"/>
+              </a:lnSpc>
+              <a:spcBef>
+                <a:spcPts val="0"/>
+              </a:spcBef>
+              <a:spcAft>
+                <a:spcPts val="0"/>
+              </a:spcAft>
+              <a:buClrTx/>
+              <a:buSzTx/>
+              <a:buFontTx/>
+              <a:buNone/>
+              <a:tabLst/>
+              <a:defRPr/>
+            </a:pPr>
+            <a:r>
+              <a:rPr lang="en-US" dirty="0">
+                <a:solidFill>
+                  <a:srgbClr val="404040"/>
+                </a:solidFill>
+              </a:rPr>
+              <a:t>GPTQ – The OG quantization method. Compresses large model weights down to around 4bits. As the size of the model increases, the performance difference between FP16 and GPTQ decreases. Massive inference speed increase. Can only quantize models into int datatypes, such as INT4. </a:t>
+            </a:r>
+            <a:r>
+              <a:rPr lang="en-US" dirty="0" err="1"/>
+              <a:t>ExLlama</a:t>
+            </a:r>
+            <a:r>
+              <a:rPr lang="en-US" dirty="0"/>
+              <a:t> is standalone implementation of Llama for 4bit GPTQ. AWQ considers activations.</a:t>
+            </a:r>
+            <a:endParaRPr lang="en-US" dirty="0">
+              <a:solidFill>
+                <a:srgbClr val="404040"/>
+              </a:solidFill>
+            </a:endParaRPr>
+          </a:p>
+          <a:p>
+            <a:pPr lvl="1"/>
+            <a:r>
+              <a:rPr lang="en-US" dirty="0">
+                <a:solidFill>
+                  <a:srgbClr val="404040"/>
+                </a:solidFill>
+              </a:rPr>
+              <a:t>GGML – Heavily geared towards inference on CPUs</a:t>
+            </a:r>
+          </a:p>
+          <a:p>
+            <a:pPr lvl="1"/>
+            <a:r>
+              <a:rPr lang="en-US" dirty="0">
+                <a:solidFill>
+                  <a:srgbClr val="404040"/>
+                </a:solidFill>
+              </a:rPr>
+              <a:t>GGUF</a:t>
+            </a:r>
+          </a:p>
+          <a:p>
+            <a:pPr lvl="1"/>
+            <a:r>
+              <a:rPr lang="en-US" dirty="0">
+                <a:solidFill>
+                  <a:srgbClr val="404040"/>
+                </a:solidFill>
+              </a:rPr>
+              <a:t>NF4 – When combined with QLoRA, there is almost no reduction in performance with 4-bit.</a:t>
+            </a:r>
+          </a:p>
+          <a:p>
+            <a:endParaRPr lang="en-US" dirty="0"/>
+          </a:p>
+          <a:p>
+            <a:endParaRPr lang="en-US" dirty="0"/>
+          </a:p>
+          <a:p>
+            <a:r>
+              <a:rPr lang="en-US" dirty="0"/>
+              <a:t>A question that you might be asking is: should I go for a small model, or a large, quantized model? In general, a larger quantized model will outperform a smaller non-quantized model</a:t>
+            </a:r>
+          </a:p>
+        </p:txBody>
+      </p:sp>
+      <p:sp>
+        <p:nvSpPr>
+          <p:cNvPr id="4" name="Slide Number Placeholder 3">
+            <a:extLst>
+              <a:ext uri="{FF2B5EF4-FFF2-40B4-BE49-F238E27FC236}">
+                <a16:creationId xmlns:a16="http://schemas.microsoft.com/office/drawing/2014/main" id="{B625F07D-1629-D037-626A-2D96729EFE27}"/>
+              </a:ext>
+            </a:extLst>
+          </p:cNvPr>
+          <p:cNvSpPr>
+            <a:spLocks noGrp="1"/>
+          </p:cNvSpPr>
+          <p:nvPr>
+            <p:ph type="sldNum" sz="quarter" idx="5"/>
+          </p:nvPr>
+        </p:nvSpPr>
+        <p:spPr/>
+        <p:txBody>
+          <a:bodyPr/>
+          <a:lstStyle/>
+          <a:p>
+            <a:fld id="{FE27E4C1-A6EC-8946-BBCD-755D8945F25F}" type="slidenum">
+              <a:rPr lang="en-US" smtClean="0"/>
+              <a:t>8</a:t>
+            </a:fld>
+            <a:endParaRPr lang="en-US"/>
+          </a:p>
+        </p:txBody>
+      </p:sp>
+    </p:spTree>
+    <p:extLst>
+      <p:ext uri="{BB962C8B-B14F-4D97-AF65-F5344CB8AC3E}">
+        <p14:creationId xmlns:p14="http://schemas.microsoft.com/office/powerpoint/2010/main" val="3042238593"/>
+      </p:ext>
+    </p:extLst>
+  </p:cSld>
+  <p:clrMapOvr>
+    <a:masterClrMapping/>
+  </p:clrMapOvr>
+</p:notes>
+</file>
+
+<file path=ppt/notesSlides/notesSlide8.xml><?xml version="1.0" encoding="utf-8"?>
+<p:notes xmlns:a="http://schemas.openxmlformats.org/drawingml/2006/main" xmlns:r="http://schemas.openxmlformats.org/officeDocument/2006/relationships" xmlns:p="http://schemas.openxmlformats.org/presentationml/2006/main">
+  <p:cSld>
+    <p:spTree>
+      <p:nvGrpSpPr>
+        <p:cNvPr id="1" name="">
+          <a:extLst>
+            <a:ext uri="{FF2B5EF4-FFF2-40B4-BE49-F238E27FC236}">
+              <a16:creationId xmlns:a16="http://schemas.microsoft.com/office/drawing/2014/main" id="{A86A456D-2B86-CA91-E265-39C4B9A14A67}"/>
+            </a:ext>
+          </a:extLst>
+        </p:cNvPr>
+        <p:cNvGrpSpPr/>
+        <p:nvPr/>
+      </p:nvGrpSpPr>
+      <p:grpSpPr>
+        <a:xfrm>
+          <a:off x="0" y="0"/>
+          <a:ext cx="0" cy="0"/>
+          <a:chOff x="0" y="0"/>
+          <a:chExt cx="0" cy="0"/>
+        </a:xfrm>
+      </p:grpSpPr>
+      <p:sp>
+        <p:nvSpPr>
+          <p:cNvPr id="2" name="Slide Image Placeholder 1">
+            <a:extLst>
+              <a:ext uri="{FF2B5EF4-FFF2-40B4-BE49-F238E27FC236}">
+                <a16:creationId xmlns:a16="http://schemas.microsoft.com/office/drawing/2014/main" id="{6B995847-4D5C-CB41-D1D7-E534E987E295}"/>
+              </a:ext>
+            </a:extLst>
+          </p:cNvPr>
+          <p:cNvSpPr>
+            <a:spLocks noGrp="1" noRot="1" noChangeAspect="1"/>
+          </p:cNvSpPr>
+          <p:nvPr>
+            <p:ph type="sldImg"/>
+          </p:nvPr>
+        </p:nvSpPr>
+        <p:spPr/>
+      </p:sp>
+      <p:sp>
+        <p:nvSpPr>
+          <p:cNvPr id="3" name="Notes Placeholder 2">
+            <a:extLst>
+              <a:ext uri="{FF2B5EF4-FFF2-40B4-BE49-F238E27FC236}">
+                <a16:creationId xmlns:a16="http://schemas.microsoft.com/office/drawing/2014/main" id="{A4A52E05-6906-4A92-2FAC-64C3C807614C}"/>
+              </a:ext>
+            </a:extLst>
+          </p:cNvPr>
+          <p:cNvSpPr>
+            <a:spLocks noGrp="1"/>
+          </p:cNvSpPr>
+          <p:nvPr>
+            <p:ph type="body" idx="1"/>
+          </p:nvPr>
+        </p:nvSpPr>
+        <p:spPr/>
+        <p:txBody>
+          <a:bodyPr/>
+          <a:lstStyle/>
+          <a:p>
+            <a:r>
+              <a:rPr lang="en-US" dirty="0"/>
+              <a:t>Where can you find quantized models?</a:t>
+            </a:r>
+          </a:p>
+          <a:p>
+            <a:r>
+              <a:rPr lang="en-US" dirty="0"/>
+              <a:t>Hugging Face again. Tom </a:t>
+            </a:r>
+            <a:r>
+              <a:rPr lang="en-US" dirty="0" err="1"/>
+              <a:t>Jobbins</a:t>
+            </a:r>
+            <a:r>
+              <a:rPr lang="en-US" dirty="0"/>
+              <a:t>, AKA TheBloke, is responsible for quantizing almost every model out there today.</a:t>
+            </a:r>
+          </a:p>
+        </p:txBody>
+      </p:sp>
+      <p:sp>
+        <p:nvSpPr>
+          <p:cNvPr id="4" name="Slide Number Placeholder 3">
+            <a:extLst>
+              <a:ext uri="{FF2B5EF4-FFF2-40B4-BE49-F238E27FC236}">
+                <a16:creationId xmlns:a16="http://schemas.microsoft.com/office/drawing/2014/main" id="{2CA10173-37A7-2CBC-BDC1-D6DAB1829E0E}"/>
+              </a:ext>
+            </a:extLst>
+          </p:cNvPr>
+          <p:cNvSpPr>
+            <a:spLocks noGrp="1"/>
+          </p:cNvSpPr>
+          <p:nvPr>
+            <p:ph type="sldNum" sz="quarter" idx="5"/>
+          </p:nvPr>
+        </p:nvSpPr>
+        <p:spPr/>
+        <p:txBody>
+          <a:bodyPr/>
+          <a:lstStyle/>
+          <a:p>
+            <a:fld id="{FE27E4C1-A6EC-8946-BBCD-755D8945F25F}" type="slidenum">
+              <a:rPr lang="en-US" smtClean="0"/>
+              <a:t>9</a:t>
+            </a:fld>
+            <a:endParaRPr lang="en-US"/>
+          </a:p>
+        </p:txBody>
+      </p:sp>
+    </p:spTree>
+    <p:extLst>
+      <p:ext uri="{BB962C8B-B14F-4D97-AF65-F5344CB8AC3E}">
+        <p14:creationId xmlns:p14="http://schemas.microsoft.com/office/powerpoint/2010/main" val="2514510506"/>
+      </p:ext>
+    </p:extLst>
+  </p:cSld>
+  <p:clrMapOvr>
+    <a:masterClrMapping/>
+  </p:clrMapOvr>
+</p:notes>
+</file>
+
+<file path=ppt/notesSlides/notesSlide9.xml><?xml version="1.0" encoding="utf-8"?>
+<p:notes xmlns:a="http://schemas.openxmlformats.org/drawingml/2006/main" xmlns:r="http://schemas.openxmlformats.org/officeDocument/2006/relationships" xmlns:p="http://schemas.openxmlformats.org/presentationml/2006/main">
+  <p:cSld>
+    <p:spTree>
+      <p:nvGrpSpPr>
+        <p:cNvPr id="1" name="">
+          <a:extLst>
+            <a:ext uri="{FF2B5EF4-FFF2-40B4-BE49-F238E27FC236}">
+              <a16:creationId xmlns:a16="http://schemas.microsoft.com/office/drawing/2014/main" id="{08EEDE06-118B-3FD7-BDF0-70E816E6B48C}"/>
+            </a:ext>
+          </a:extLst>
+        </p:cNvPr>
+        <p:cNvGrpSpPr/>
+        <p:nvPr/>
+      </p:nvGrpSpPr>
+      <p:grpSpPr>
+        <a:xfrm>
+          <a:off x="0" y="0"/>
+          <a:ext cx="0" cy="0"/>
+          <a:chOff x="0" y="0"/>
+          <a:chExt cx="0" cy="0"/>
+        </a:xfrm>
+      </p:grpSpPr>
+      <p:sp>
+        <p:nvSpPr>
+          <p:cNvPr id="2" name="Slide Image Placeholder 1">
+            <a:extLst>
+              <a:ext uri="{FF2B5EF4-FFF2-40B4-BE49-F238E27FC236}">
+                <a16:creationId xmlns:a16="http://schemas.microsoft.com/office/drawing/2014/main" id="{CCC4F0CA-7672-4D68-A90F-E8E427219D2A}"/>
+              </a:ext>
+            </a:extLst>
+          </p:cNvPr>
+          <p:cNvSpPr>
+            <a:spLocks noGrp="1" noRot="1" noChangeAspect="1"/>
+          </p:cNvSpPr>
+          <p:nvPr>
+            <p:ph type="sldImg"/>
+          </p:nvPr>
+        </p:nvSpPr>
+        <p:spPr/>
+      </p:sp>
+      <p:sp>
+        <p:nvSpPr>
+          <p:cNvPr id="3" name="Notes Placeholder 2">
+            <a:extLst>
+              <a:ext uri="{FF2B5EF4-FFF2-40B4-BE49-F238E27FC236}">
+                <a16:creationId xmlns:a16="http://schemas.microsoft.com/office/drawing/2014/main" id="{CC8F62C3-111B-5581-1923-D1A6387B51B2}"/>
+              </a:ext>
+            </a:extLst>
+          </p:cNvPr>
+          <p:cNvSpPr>
+            <a:spLocks noGrp="1"/>
+          </p:cNvSpPr>
+          <p:nvPr>
+            <p:ph type="body" idx="1"/>
+          </p:nvPr>
+        </p:nvSpPr>
+        <p:spPr/>
+        <p:txBody>
+          <a:bodyPr/>
+          <a:lstStyle/>
+          <a:p>
+            <a:r>
+              <a:rPr lang="en-US" dirty="0"/>
+              <a:t>Intro to </a:t>
+            </a:r>
+            <a:r>
+              <a:rPr lang="en-US" dirty="0" err="1"/>
+              <a:t>LoRA</a:t>
+            </a:r>
+            <a:r>
+              <a:rPr lang="en-US" dirty="0"/>
+              <a:t>:</a:t>
+            </a:r>
+          </a:p>
+          <a:p>
+            <a:endParaRPr lang="en-US" dirty="0"/>
+          </a:p>
+          <a:p>
+            <a:endParaRPr lang="en-US" dirty="0"/>
+          </a:p>
+          <a:p>
+            <a:r>
+              <a:rPr lang="en-US" dirty="0"/>
+              <a:t>PEFT Library</a:t>
+            </a:r>
+          </a:p>
+        </p:txBody>
+      </p:sp>
+      <p:sp>
+        <p:nvSpPr>
+          <p:cNvPr id="4" name="Slide Number Placeholder 3">
+            <a:extLst>
+              <a:ext uri="{FF2B5EF4-FFF2-40B4-BE49-F238E27FC236}">
+                <a16:creationId xmlns:a16="http://schemas.microsoft.com/office/drawing/2014/main" id="{9A829D3D-C5A8-CF22-DF67-0DC34B81A465}"/>
+              </a:ext>
+            </a:extLst>
+          </p:cNvPr>
+          <p:cNvSpPr>
+            <a:spLocks noGrp="1"/>
+          </p:cNvSpPr>
+          <p:nvPr>
+            <p:ph type="sldNum" sz="quarter" idx="5"/>
+          </p:nvPr>
+        </p:nvSpPr>
+        <p:spPr/>
+        <p:txBody>
+          <a:bodyPr/>
+          <a:lstStyle/>
+          <a:p>
+            <a:fld id="{FE27E4C1-A6EC-8946-BBCD-755D8945F25F}" type="slidenum">
+              <a:rPr lang="en-US" smtClean="0"/>
+              <a:t>10</a:t>
+            </a:fld>
+            <a:endParaRPr lang="en-US"/>
+          </a:p>
+        </p:txBody>
+      </p:sp>
+    </p:spTree>
+    <p:extLst>
+      <p:ext uri="{BB962C8B-B14F-4D97-AF65-F5344CB8AC3E}">
+        <p14:creationId xmlns:p14="http://schemas.microsoft.com/office/powerpoint/2010/main" val="2576315019"/>
       </p:ext>
     </p:extLst>
   </p:cSld>
@@ -2049,7 +2134,7 @@
           <a:p>
             <a:fld id="{8EFCB6B6-D1D9-3F4C-9FD7-9F220F5CEE19}" type="datetimeFigureOut">
               <a:rPr lang="en-US" smtClean="0"/>
-              <a:t>2/20/24</a:t>
+              <a:t>6/24/24</a:t>
             </a:fld>
             <a:endParaRPr lang="en-US"/>
           </a:p>
@@ -2249,7 +2334,7 @@
           <a:p>
             <a:fld id="{8EFCB6B6-D1D9-3F4C-9FD7-9F220F5CEE19}" type="datetimeFigureOut">
               <a:rPr lang="en-US" smtClean="0"/>
-              <a:t>2/20/24</a:t>
+              <a:t>6/24/24</a:t>
             </a:fld>
             <a:endParaRPr lang="en-US"/>
           </a:p>
@@ -2459,7 +2544,7 @@
           <a:p>
             <a:fld id="{8EFCB6B6-D1D9-3F4C-9FD7-9F220F5CEE19}" type="datetimeFigureOut">
               <a:rPr lang="en-US" smtClean="0"/>
-              <a:t>2/20/24</a:t>
+              <a:t>6/24/24</a:t>
             </a:fld>
             <a:endParaRPr lang="en-US"/>
           </a:p>
@@ -3382,7 +3467,7 @@
           <a:p>
             <a:fld id="{8EFCB6B6-D1D9-3F4C-9FD7-9F220F5CEE19}" type="datetimeFigureOut">
               <a:rPr lang="en-US" smtClean="0"/>
-              <a:t>2/20/24</a:t>
+              <a:t>6/24/24</a:t>
             </a:fld>
             <a:endParaRPr lang="en-US"/>
           </a:p>
@@ -3658,7 +3743,7 @@
           <a:p>
             <a:fld id="{8EFCB6B6-D1D9-3F4C-9FD7-9F220F5CEE19}" type="datetimeFigureOut">
               <a:rPr lang="en-US" smtClean="0"/>
-              <a:t>2/20/24</a:t>
+              <a:t>6/24/24</a:t>
             </a:fld>
             <a:endParaRPr lang="en-US"/>
           </a:p>
@@ -3926,7 +4011,7 @@
           <a:p>
             <a:fld id="{8EFCB6B6-D1D9-3F4C-9FD7-9F220F5CEE19}" type="datetimeFigureOut">
               <a:rPr lang="en-US" smtClean="0"/>
-              <a:t>2/20/24</a:t>
+              <a:t>6/24/24</a:t>
             </a:fld>
             <a:endParaRPr lang="en-US"/>
           </a:p>
@@ -4341,7 +4426,7 @@
           <a:p>
             <a:fld id="{8EFCB6B6-D1D9-3F4C-9FD7-9F220F5CEE19}" type="datetimeFigureOut">
               <a:rPr lang="en-US" smtClean="0"/>
-              <a:t>2/20/24</a:t>
+              <a:t>6/24/24</a:t>
             </a:fld>
             <a:endParaRPr lang="en-US"/>
           </a:p>
@@ -4483,7 +4568,7 @@
           <a:p>
             <a:fld id="{8EFCB6B6-D1D9-3F4C-9FD7-9F220F5CEE19}" type="datetimeFigureOut">
               <a:rPr lang="en-US" smtClean="0"/>
-              <a:t>2/20/24</a:t>
+              <a:t>6/24/24</a:t>
             </a:fld>
             <a:endParaRPr lang="en-US"/>
           </a:p>
@@ -4596,7 +4681,7 @@
           <a:p>
             <a:fld id="{8EFCB6B6-D1D9-3F4C-9FD7-9F220F5CEE19}" type="datetimeFigureOut">
               <a:rPr lang="en-US" smtClean="0"/>
-              <a:t>2/20/24</a:t>
+              <a:t>6/24/24</a:t>
             </a:fld>
             <a:endParaRPr lang="en-US"/>
           </a:p>
@@ -4909,7 +4994,7 @@
           <a:p>
             <a:fld id="{8EFCB6B6-D1D9-3F4C-9FD7-9F220F5CEE19}" type="datetimeFigureOut">
               <a:rPr lang="en-US" smtClean="0"/>
-              <a:t>2/20/24</a:t>
+              <a:t>6/24/24</a:t>
             </a:fld>
             <a:endParaRPr lang="en-US"/>
           </a:p>
@@ -5198,7 +5283,7 @@
           <a:p>
             <a:fld id="{8EFCB6B6-D1D9-3F4C-9FD7-9F220F5CEE19}" type="datetimeFigureOut">
               <a:rPr lang="en-US" smtClean="0"/>
-              <a:t>2/20/24</a:t>
+              <a:t>6/24/24</a:t>
             </a:fld>
             <a:endParaRPr lang="en-US"/>
           </a:p>
@@ -5441,7 +5526,7 @@
           <a:p>
             <a:fld id="{8EFCB6B6-D1D9-3F4C-9FD7-9F220F5CEE19}" type="datetimeFigureOut">
               <a:rPr lang="en-US" smtClean="0"/>
-              <a:t>2/20/24</a:t>
+              <a:t>6/24/24</a:t>
             </a:fld>
             <a:endParaRPr lang="en-US"/>
           </a:p>
@@ -5917,6 +6002,406 @@
         <p:cNvPr id="1" name="">
           <a:extLst>
             <a:ext uri="{FF2B5EF4-FFF2-40B4-BE49-F238E27FC236}">
+              <a16:creationId xmlns:a16="http://schemas.microsoft.com/office/drawing/2014/main" id="{CC7C7633-8C06-C89B-3C73-1FF8680C8B7B}"/>
+            </a:ext>
+          </a:extLst>
+        </p:cNvPr>
+        <p:cNvGrpSpPr/>
+        <p:nvPr/>
+      </p:nvGrpSpPr>
+      <p:grpSpPr>
+        <a:xfrm>
+          <a:off x="0" y="0"/>
+          <a:ext cx="0" cy="0"/>
+          <a:chOff x="0" y="0"/>
+          <a:chExt cx="0" cy="0"/>
+        </a:xfrm>
+      </p:grpSpPr>
+      <p:sp>
+        <p:nvSpPr>
+          <p:cNvPr id="2" name="Text Placeholder 1">
+            <a:extLst>
+              <a:ext uri="{FF2B5EF4-FFF2-40B4-BE49-F238E27FC236}">
+                <a16:creationId xmlns:a16="http://schemas.microsoft.com/office/drawing/2014/main" id="{1D3BB2FA-DC91-47AD-FF2E-ADB7D6475D35}"/>
+              </a:ext>
+            </a:extLst>
+          </p:cNvPr>
+          <p:cNvSpPr>
+            <a:spLocks noGrp="1"/>
+          </p:cNvSpPr>
+          <p:nvPr>
+            <p:ph type="body" sz="quarter" idx="10"/>
+          </p:nvPr>
+        </p:nvSpPr>
+        <p:spPr/>
+        <p:txBody>
+          <a:bodyPr vert="horz" lIns="121920" tIns="60960" rIns="121920" bIns="60960" rtlCol="0" anchor="t">
+            <a:normAutofit/>
+          </a:bodyPr>
+          <a:lstStyle/>
+          <a:p>
+            <a:r>
+              <a:rPr lang="en-US" dirty="0" err="1"/>
+              <a:t>QLoRA</a:t>
+            </a:r>
+            <a:endParaRPr lang="en-US" dirty="0"/>
+          </a:p>
+        </p:txBody>
+      </p:sp>
+      <mc:AlternateContent xmlns:mc="http://schemas.openxmlformats.org/markup-compatibility/2006">
+        <mc:Choice xmlns:a14="http://schemas.microsoft.com/office/drawing/2010/main" Requires="a14">
+          <p:sp>
+            <p:nvSpPr>
+              <p:cNvPr id="4" name="Text Placeholder 3">
+                <a:extLst>
+                  <a:ext uri="{FF2B5EF4-FFF2-40B4-BE49-F238E27FC236}">
+                    <a16:creationId xmlns:a16="http://schemas.microsoft.com/office/drawing/2014/main" id="{946EB935-2C1C-D6BD-009A-BDA8835A11F8}"/>
+                  </a:ext>
+                </a:extLst>
+              </p:cNvPr>
+              <p:cNvSpPr>
+                <a:spLocks noGrp="1"/>
+              </p:cNvSpPr>
+              <p:nvPr>
+                <p:ph type="body" sz="quarter" idx="12"/>
+              </p:nvPr>
+            </p:nvSpPr>
+            <p:spPr>
+              <a:xfrm>
+                <a:off x="503659" y="1272210"/>
+                <a:ext cx="4810464" cy="4589329"/>
+              </a:xfrm>
+            </p:spPr>
+            <p:txBody>
+              <a:bodyPr vert="horz" lIns="121920" tIns="60960" rIns="121920" bIns="60960" rtlCol="0" anchor="t">
+                <a:normAutofit/>
+              </a:bodyPr>
+              <a:lstStyle/>
+              <a:p>
+                <a:r>
+                  <a:rPr lang="en-US" dirty="0">
+                    <a:solidFill>
+                      <a:srgbClr val="404040"/>
+                    </a:solidFill>
+                  </a:rPr>
+                  <a:t>Finetuning a model can be expensive!</a:t>
+                </a:r>
+              </a:p>
+              <a:p>
+                <a:r>
+                  <a:rPr lang="en-US" dirty="0">
+                    <a:solidFill>
+                      <a:srgbClr val="404040"/>
+                    </a:solidFill>
+                  </a:rPr>
+                  <a:t>The new weights are denoted by</a:t>
+                </a:r>
+              </a:p>
+              <a:p>
+                <a:pPr marL="0" indent="0">
+                  <a:buNone/>
+                </a:pPr>
+                <a14:m>
+                  <m:oMathPara xmlns:m="http://schemas.openxmlformats.org/officeDocument/2006/math">
+                    <m:oMathParaPr>
+                      <m:jc m:val="centerGroup"/>
+                    </m:oMathParaPr>
+                    <m:oMath xmlns:m="http://schemas.openxmlformats.org/officeDocument/2006/math">
+                      <m:r>
+                        <a:rPr lang="en-GB" b="0" i="1" smtClean="0">
+                          <a:solidFill>
+                            <a:srgbClr val="404040"/>
+                          </a:solidFill>
+                          <a:latin typeface="Cambria Math" panose="02040503050406030204" pitchFamily="18" charset="0"/>
+                        </a:rPr>
+                        <m:t>𝑊</m:t>
+                      </m:r>
+                      <m:r>
+                        <a:rPr lang="en-GB" b="0" i="1" smtClean="0">
+                          <a:solidFill>
+                            <a:srgbClr val="404040"/>
+                          </a:solidFill>
+                          <a:latin typeface="Cambria Math" panose="02040503050406030204" pitchFamily="18" charset="0"/>
+                        </a:rPr>
+                        <m:t>=</m:t>
+                      </m:r>
+                      <m:sSub>
+                        <m:sSubPr>
+                          <m:ctrlPr>
+                            <a:rPr lang="en-GB" b="0" i="1" smtClean="0">
+                              <a:solidFill>
+                                <a:srgbClr val="404040"/>
+                              </a:solidFill>
+                              <a:latin typeface="Cambria Math" panose="02040503050406030204" pitchFamily="18" charset="0"/>
+                            </a:rPr>
+                          </m:ctrlPr>
+                        </m:sSubPr>
+                        <m:e>
+                          <m:r>
+                            <a:rPr lang="en-GB" b="0" i="1" smtClean="0">
+                              <a:solidFill>
+                                <a:srgbClr val="404040"/>
+                              </a:solidFill>
+                              <a:latin typeface="Cambria Math" panose="02040503050406030204" pitchFamily="18" charset="0"/>
+                            </a:rPr>
+                            <m:t>𝑊</m:t>
+                          </m:r>
+                        </m:e>
+                        <m:sub>
+                          <m:r>
+                            <a:rPr lang="en-GB" b="0" i="1" smtClean="0">
+                              <a:solidFill>
+                                <a:srgbClr val="404040"/>
+                              </a:solidFill>
+                              <a:latin typeface="Cambria Math" panose="02040503050406030204" pitchFamily="18" charset="0"/>
+                            </a:rPr>
+                            <m:t>0</m:t>
+                          </m:r>
+                        </m:sub>
+                      </m:sSub>
+                      <m:r>
+                        <a:rPr lang="en-GB" b="0" i="1" smtClean="0">
+                          <a:solidFill>
+                            <a:srgbClr val="404040"/>
+                          </a:solidFill>
+                          <a:latin typeface="Cambria Math" panose="02040503050406030204" pitchFamily="18" charset="0"/>
+                        </a:rPr>
+                        <m:t>+</m:t>
+                      </m:r>
+                      <m:r>
+                        <m:rPr>
+                          <m:sty m:val="p"/>
+                        </m:rPr>
+                        <a:rPr lang="en-GB" b="0" i="0" smtClean="0">
+                          <a:solidFill>
+                            <a:srgbClr val="404040"/>
+                          </a:solidFill>
+                          <a:latin typeface="Cambria Math" panose="02040503050406030204" pitchFamily="18" charset="0"/>
+                        </a:rPr>
+                        <m:t>Δ</m:t>
+                      </m:r>
+                      <m:r>
+                        <a:rPr lang="en-GB" b="0" i="1" smtClean="0">
+                          <a:solidFill>
+                            <a:srgbClr val="404040"/>
+                          </a:solidFill>
+                          <a:latin typeface="Cambria Math" panose="02040503050406030204" pitchFamily="18" charset="0"/>
+                        </a:rPr>
+                        <m:t>𝑊</m:t>
+                      </m:r>
+                    </m:oMath>
+                  </m:oMathPara>
+                </a14:m>
+                <a:endParaRPr lang="en-US" dirty="0">
+                  <a:solidFill>
+                    <a:srgbClr val="404040"/>
+                  </a:solidFill>
+                </a:endParaRPr>
+              </a:p>
+              <a:p>
+                <a:r>
+                  <a:rPr lang="en-US" dirty="0">
+                    <a:solidFill>
+                      <a:srgbClr val="404040"/>
+                    </a:solidFill>
+                  </a:rPr>
+                  <a:t>The difference between the pretrained weights and finetuned weights, </a:t>
+                </a:r>
+                <a14:m>
+                  <m:oMath xmlns:m="http://schemas.openxmlformats.org/officeDocument/2006/math">
+                    <m:r>
+                      <m:rPr>
+                        <m:sty m:val="p"/>
+                      </m:rPr>
+                      <a:rPr lang="en-GB" b="0" i="0" smtClean="0">
+                        <a:solidFill>
+                          <a:srgbClr val="404040"/>
+                        </a:solidFill>
+                        <a:latin typeface="Cambria Math" panose="02040503050406030204" pitchFamily="18" charset="0"/>
+                      </a:rPr>
+                      <m:t>Δ</m:t>
+                    </m:r>
+                    <m:r>
+                      <a:rPr lang="en-GB" b="0" i="1" smtClean="0">
+                        <a:solidFill>
+                          <a:srgbClr val="404040"/>
+                        </a:solidFill>
+                        <a:latin typeface="Cambria Math" panose="02040503050406030204" pitchFamily="18" charset="0"/>
+                      </a:rPr>
+                      <m:t>𝑊</m:t>
+                    </m:r>
+                  </m:oMath>
+                </a14:m>
+                <a:r>
+                  <a:rPr lang="en-US" dirty="0">
+                    <a:solidFill>
+                      <a:srgbClr val="404040"/>
+                    </a:solidFill>
+                  </a:rPr>
+                  <a:t>, is small and has low rank.</a:t>
+                </a:r>
+              </a:p>
+              <a:p>
+                <a:r>
+                  <a:rPr lang="en-US" dirty="0">
+                    <a:solidFill>
+                      <a:srgbClr val="404040"/>
+                    </a:solidFill>
+                  </a:rPr>
+                  <a:t>Approximate </a:t>
+                </a:r>
+                <a14:m>
+                  <m:oMath xmlns:m="http://schemas.openxmlformats.org/officeDocument/2006/math">
+                    <m:r>
+                      <m:rPr>
+                        <m:sty m:val="p"/>
+                      </m:rPr>
+                      <a:rPr lang="en-GB" b="0" i="0" smtClean="0">
+                        <a:solidFill>
+                          <a:srgbClr val="404040"/>
+                        </a:solidFill>
+                        <a:latin typeface="Cambria Math" panose="02040503050406030204" pitchFamily="18" charset="0"/>
+                      </a:rPr>
+                      <m:t>Δ</m:t>
+                    </m:r>
+                    <m:r>
+                      <a:rPr lang="en-GB" b="0" i="1" smtClean="0">
+                        <a:solidFill>
+                          <a:srgbClr val="404040"/>
+                        </a:solidFill>
+                        <a:latin typeface="Cambria Math" panose="02040503050406030204" pitchFamily="18" charset="0"/>
+                      </a:rPr>
+                      <m:t>𝑊</m:t>
+                    </m:r>
+                  </m:oMath>
+                </a14:m>
+                <a:r>
+                  <a:rPr lang="en-US" dirty="0">
+                    <a:solidFill>
+                      <a:srgbClr val="404040"/>
+                    </a:solidFill>
+                  </a:rPr>
+                  <a:t> by two low rank matrices instead.</a:t>
+                </a:r>
+              </a:p>
+              <a:p>
+                <a:r>
+                  <a:rPr lang="en-US" dirty="0">
+                    <a:solidFill>
+                      <a:srgbClr val="404040"/>
+                    </a:solidFill>
+                  </a:rPr>
+                  <a:t>Each attention module has 4 matrices to train, and the final layers are usually fixed.</a:t>
+                </a:r>
+              </a:p>
+              <a:p>
+                <a:r>
+                  <a:rPr lang="en-US" dirty="0">
+                    <a:solidFill>
+                      <a:srgbClr val="404040"/>
+                    </a:solidFill>
+                  </a:rPr>
+                  <a:t>Massively decreases the training cost, with minimal loss of performance.</a:t>
+                </a:r>
+              </a:p>
+            </p:txBody>
+          </p:sp>
+        </mc:Choice>
+        <mc:Fallback>
+          <p:sp>
+            <p:nvSpPr>
+              <p:cNvPr id="4" name="Text Placeholder 3">
+                <a:extLst>
+                  <a:ext uri="{FF2B5EF4-FFF2-40B4-BE49-F238E27FC236}">
+                    <a16:creationId xmlns:a16="http://schemas.microsoft.com/office/drawing/2014/main" id="{946EB935-2C1C-D6BD-009A-BDA8835A11F8}"/>
+                  </a:ext>
+                </a:extLst>
+              </p:cNvPr>
+              <p:cNvSpPr>
+                <a:spLocks noGrp="1" noRot="1" noChangeAspect="1" noMove="1" noResize="1" noEditPoints="1" noAdjustHandles="1" noChangeArrowheads="1" noChangeShapeType="1" noTextEdit="1"/>
+              </p:cNvSpPr>
+              <p:nvPr>
+                <p:ph type="body" sz="quarter" idx="12"/>
+              </p:nvPr>
+            </p:nvSpPr>
+            <p:spPr>
+              <a:xfrm>
+                <a:off x="503659" y="1272210"/>
+                <a:ext cx="4810464" cy="4589329"/>
+              </a:xfrm>
+              <a:blipFill>
+                <a:blip r:embed="rId3"/>
+                <a:stretch>
+                  <a:fillRect t="-829"/>
+                </a:stretch>
+              </a:blipFill>
+            </p:spPr>
+            <p:txBody>
+              <a:bodyPr/>
+              <a:lstStyle/>
+              <a:p>
+                <a:r>
+                  <a:rPr lang="en-US">
+                    <a:noFill/>
+                  </a:rPr>
+                  <a:t> </a:t>
+                </a:r>
+              </a:p>
+            </p:txBody>
+          </p:sp>
+        </mc:Fallback>
+      </mc:AlternateContent>
+      <p:pic>
+        <p:nvPicPr>
+          <p:cNvPr id="3" name="Picture 2">
+            <a:extLst>
+              <a:ext uri="{FF2B5EF4-FFF2-40B4-BE49-F238E27FC236}">
+                <a16:creationId xmlns:a16="http://schemas.microsoft.com/office/drawing/2014/main" id="{E5502F85-8D03-5885-ACA9-3569827D74C5}"/>
+              </a:ext>
+            </a:extLst>
+          </p:cNvPr>
+          <p:cNvPicPr>
+            <a:picLocks noChangeAspect="1"/>
+          </p:cNvPicPr>
+          <p:nvPr/>
+        </p:nvPicPr>
+        <p:blipFill>
+          <a:blip r:embed="rId4"/>
+          <a:stretch>
+            <a:fillRect/>
+          </a:stretch>
+        </p:blipFill>
+        <p:spPr>
+          <a:xfrm>
+            <a:off x="5987864" y="1272210"/>
+            <a:ext cx="4521641" cy="4321789"/>
+          </a:xfrm>
+          <a:prstGeom prst="rect">
+            <a:avLst/>
+          </a:prstGeom>
+        </p:spPr>
+      </p:pic>
+    </p:spTree>
+    <p:extLst>
+      <p:ext uri="{BB962C8B-B14F-4D97-AF65-F5344CB8AC3E}">
+        <p14:creationId xmlns:p14="http://schemas.microsoft.com/office/powerpoint/2010/main" val="1189276769"/>
+      </p:ext>
+    </p:extLst>
+  </p:cSld>
+  <p:clrMapOvr>
+    <a:masterClrMapping/>
+  </p:clrMapOvr>
+</p:sld>
+</file>
+
+<file path=ppt/slides/slide11.xml><?xml version="1.0" encoding="utf-8"?>
+<p:sld xmlns:a="http://schemas.openxmlformats.org/drawingml/2006/main" xmlns:r="http://schemas.openxmlformats.org/officeDocument/2006/relationships" xmlns:p="http://schemas.openxmlformats.org/presentationml/2006/main">
+  <p:cSld>
+    <p:spTree>
+      <p:nvGrpSpPr>
+        <p:cNvPr id="1" name="">
+          <a:extLst>
+            <a:ext uri="{FF2B5EF4-FFF2-40B4-BE49-F238E27FC236}">
               <a16:creationId xmlns:a16="http://schemas.microsoft.com/office/drawing/2014/main" id="{BDBBF850-107D-282E-30FD-084BA330FC4C}"/>
             </a:ext>
           </a:extLst>
@@ -6201,7 +6686,7 @@
 </p:sld>
 </file>
 
-<file path=ppt/slides/slide11.xml><?xml version="1.0" encoding="utf-8"?>
+<file path=ppt/slides/slide12.xml><?xml version="1.0" encoding="utf-8"?>
 <p:sld xmlns:a="http://schemas.openxmlformats.org/drawingml/2006/main" xmlns:r="http://schemas.openxmlformats.org/officeDocument/2006/relationships" xmlns:p="http://schemas.openxmlformats.org/presentationml/2006/main">
   <p:cSld>
     <p:spTree>
@@ -7342,6 +7827,152 @@
   <p:cSld>
     <p:spTree>
       <p:nvGrpSpPr>
+        <p:cNvPr id="1" name=""/>
+        <p:cNvGrpSpPr/>
+        <p:nvPr/>
+      </p:nvGrpSpPr>
+      <p:grpSpPr>
+        <a:xfrm>
+          <a:off x="0" y="0"/>
+          <a:ext cx="0" cy="0"/>
+          <a:chOff x="0" y="0"/>
+          <a:chExt cx="0" cy="0"/>
+        </a:xfrm>
+      </p:grpSpPr>
+      <p:sp>
+        <p:nvSpPr>
+          <p:cNvPr id="2" name="Text Placeholder 1">
+            <a:extLst>
+              <a:ext uri="{FF2B5EF4-FFF2-40B4-BE49-F238E27FC236}">
+                <a16:creationId xmlns:a16="http://schemas.microsoft.com/office/drawing/2014/main" id="{ED21A61E-EAF2-FAD6-CF36-B0E47340D151}"/>
+              </a:ext>
+            </a:extLst>
+          </p:cNvPr>
+          <p:cNvSpPr>
+            <a:spLocks noGrp="1"/>
+          </p:cNvSpPr>
+          <p:nvPr>
+            <p:ph type="body" sz="quarter" idx="10"/>
+          </p:nvPr>
+        </p:nvSpPr>
+        <p:spPr/>
+        <p:txBody>
+          <a:bodyPr/>
+          <a:lstStyle/>
+          <a:p>
+            <a:r>
+              <a:rPr lang="en-US" dirty="0"/>
+              <a:t>Example</a:t>
+            </a:r>
+          </a:p>
+        </p:txBody>
+      </p:sp>
+      <p:sp>
+        <p:nvSpPr>
+          <p:cNvPr id="3" name="Text Placeholder 2">
+            <a:extLst>
+              <a:ext uri="{FF2B5EF4-FFF2-40B4-BE49-F238E27FC236}">
+                <a16:creationId xmlns:a16="http://schemas.microsoft.com/office/drawing/2014/main" id="{80403015-4F4F-C6E0-5C89-7FFCA76BAA37}"/>
+              </a:ext>
+            </a:extLst>
+          </p:cNvPr>
+          <p:cNvSpPr>
+            <a:spLocks noGrp="1"/>
+          </p:cNvSpPr>
+          <p:nvPr>
+            <p:ph type="body" sz="quarter" idx="11"/>
+          </p:nvPr>
+        </p:nvSpPr>
+        <p:spPr/>
+        <p:txBody>
+          <a:bodyPr/>
+          <a:lstStyle/>
+          <a:p>
+            <a:r>
+              <a:rPr lang="en-US" dirty="0"/>
+              <a:t>Needle in a haystack test</a:t>
+            </a:r>
+          </a:p>
+        </p:txBody>
+      </p:sp>
+      <p:pic>
+        <p:nvPicPr>
+          <p:cNvPr id="5" name="Picture 4">
+            <a:extLst>
+              <a:ext uri="{FF2B5EF4-FFF2-40B4-BE49-F238E27FC236}">
+                <a16:creationId xmlns:a16="http://schemas.microsoft.com/office/drawing/2014/main" id="{C6C828F0-E26F-1419-C904-12AF44D50A56}"/>
+              </a:ext>
+            </a:extLst>
+          </p:cNvPr>
+          <p:cNvPicPr>
+            <a:picLocks noChangeAspect="1"/>
+          </p:cNvPicPr>
+          <p:nvPr/>
+        </p:nvPicPr>
+        <p:blipFill>
+          <a:blip r:embed="rId3"/>
+          <a:stretch>
+            <a:fillRect/>
+          </a:stretch>
+        </p:blipFill>
+        <p:spPr>
+          <a:xfrm>
+            <a:off x="2205459" y="1745437"/>
+            <a:ext cx="7772400" cy="1521935"/>
+          </a:xfrm>
+          <a:prstGeom prst="rect">
+            <a:avLst/>
+          </a:prstGeom>
+        </p:spPr>
+      </p:pic>
+      <p:pic>
+        <p:nvPicPr>
+          <p:cNvPr id="6" name="Picture 5">
+            <a:extLst>
+              <a:ext uri="{FF2B5EF4-FFF2-40B4-BE49-F238E27FC236}">
+                <a16:creationId xmlns:a16="http://schemas.microsoft.com/office/drawing/2014/main" id="{5B6E17E7-6FA6-BCFA-9340-810A9CAC24B8}"/>
+              </a:ext>
+            </a:extLst>
+          </p:cNvPr>
+          <p:cNvPicPr>
+            <a:picLocks noChangeAspect="1"/>
+          </p:cNvPicPr>
+          <p:nvPr/>
+        </p:nvPicPr>
+        <p:blipFill>
+          <a:blip r:embed="rId4"/>
+          <a:stretch>
+            <a:fillRect/>
+          </a:stretch>
+        </p:blipFill>
+        <p:spPr>
+          <a:xfrm>
+            <a:off x="2205459" y="3267372"/>
+            <a:ext cx="7772400" cy="3326859"/>
+          </a:xfrm>
+          <a:prstGeom prst="rect">
+            <a:avLst/>
+          </a:prstGeom>
+        </p:spPr>
+      </p:pic>
+    </p:spTree>
+    <p:extLst>
+      <p:ext uri="{BB962C8B-B14F-4D97-AF65-F5344CB8AC3E}">
+        <p14:creationId xmlns:p14="http://schemas.microsoft.com/office/powerpoint/2010/main" val="1226085074"/>
+      </p:ext>
+    </p:extLst>
+  </p:cSld>
+  <p:clrMapOvr>
+    <a:masterClrMapping/>
+  </p:clrMapOvr>
+</p:sld>
+</file>
+
+<file path=ppt/slides/slide6.xml><?xml version="1.0" encoding="utf-8"?>
+<p:sld xmlns:a="http://schemas.openxmlformats.org/drawingml/2006/main" xmlns:r="http://schemas.openxmlformats.org/officeDocument/2006/relationships" xmlns:p="http://schemas.openxmlformats.org/presentationml/2006/main">
+  <p:cSld>
+    <p:spTree>
+      <p:nvGrpSpPr>
         <p:cNvPr id="1" name="">
           <a:extLst>
             <a:ext uri="{FF2B5EF4-FFF2-40B4-BE49-F238E27FC236}">
@@ -7403,7 +8034,7 @@
 </p:sld>
 </file>
 
-<file path=ppt/slides/slide6.xml><?xml version="1.0" encoding="utf-8"?>
+<file path=ppt/slides/slide7.xml><?xml version="1.0" encoding="utf-8"?>
 <p:sld xmlns:a="http://schemas.openxmlformats.org/drawingml/2006/main" xmlns:r="http://schemas.openxmlformats.org/officeDocument/2006/relationships" xmlns:p="http://schemas.openxmlformats.org/presentationml/2006/main">
   <p:cSld>
     <p:spTree>
@@ -7574,7 +8205,7 @@
 </p:sld>
 </file>
 
-<file path=ppt/slides/slide7.xml><?xml version="1.0" encoding="utf-8"?>
+<file path=ppt/slides/slide8.xml><?xml version="1.0" encoding="utf-8"?>
 <p:sld xmlns:a="http://schemas.openxmlformats.org/drawingml/2006/main" xmlns:r="http://schemas.openxmlformats.org/officeDocument/2006/relationships" xmlns:p="http://schemas.openxmlformats.org/presentationml/2006/main">
   <p:cSld>
     <p:spTree>
@@ -7849,7 +8480,7 @@
 </p:sld>
 </file>
 
-<file path=ppt/slides/slide8.xml><?xml version="1.0" encoding="utf-8"?>
+<file path=ppt/slides/slide9.xml><?xml version="1.0" encoding="utf-8"?>
 <p:sld xmlns:a="http://schemas.openxmlformats.org/drawingml/2006/main" xmlns:r="http://schemas.openxmlformats.org/officeDocument/2006/relationships" xmlns:p="http://schemas.openxmlformats.org/presentationml/2006/main">
   <p:cSld>
     <p:spTree>
@@ -7936,405 +8567,6 @@
     <p:extLst>
       <p:ext uri="{BB962C8B-B14F-4D97-AF65-F5344CB8AC3E}">
         <p14:creationId xmlns:p14="http://schemas.microsoft.com/office/powerpoint/2010/main" val="622259421"/>
-      </p:ext>
-    </p:extLst>
-  </p:cSld>
-  <p:clrMapOvr>
-    <a:masterClrMapping/>
-  </p:clrMapOvr>
-</p:sld>
-</file>
-
-<file path=ppt/slides/slide9.xml><?xml version="1.0" encoding="utf-8"?>
-<p:sld xmlns:a="http://schemas.openxmlformats.org/drawingml/2006/main" xmlns:r="http://schemas.openxmlformats.org/officeDocument/2006/relationships" xmlns:p="http://schemas.openxmlformats.org/presentationml/2006/main">
-  <p:cSld>
-    <p:spTree>
-      <p:nvGrpSpPr>
-        <p:cNvPr id="1" name="">
-          <a:extLst>
-            <a:ext uri="{FF2B5EF4-FFF2-40B4-BE49-F238E27FC236}">
-              <a16:creationId xmlns:a16="http://schemas.microsoft.com/office/drawing/2014/main" id="{CC7C7633-8C06-C89B-3C73-1FF8680C8B7B}"/>
-            </a:ext>
-          </a:extLst>
-        </p:cNvPr>
-        <p:cNvGrpSpPr/>
-        <p:nvPr/>
-      </p:nvGrpSpPr>
-      <p:grpSpPr>
-        <a:xfrm>
-          <a:off x="0" y="0"/>
-          <a:ext cx="0" cy="0"/>
-          <a:chOff x="0" y="0"/>
-          <a:chExt cx="0" cy="0"/>
-        </a:xfrm>
-      </p:grpSpPr>
-      <p:sp>
-        <p:nvSpPr>
-          <p:cNvPr id="2" name="Text Placeholder 1">
-            <a:extLst>
-              <a:ext uri="{FF2B5EF4-FFF2-40B4-BE49-F238E27FC236}">
-                <a16:creationId xmlns:a16="http://schemas.microsoft.com/office/drawing/2014/main" id="{1D3BB2FA-DC91-47AD-FF2E-ADB7D6475D35}"/>
-              </a:ext>
-            </a:extLst>
-          </p:cNvPr>
-          <p:cNvSpPr>
-            <a:spLocks noGrp="1"/>
-          </p:cNvSpPr>
-          <p:nvPr>
-            <p:ph type="body" sz="quarter" idx="10"/>
-          </p:nvPr>
-        </p:nvSpPr>
-        <p:spPr/>
-        <p:txBody>
-          <a:bodyPr vert="horz" lIns="121920" tIns="60960" rIns="121920" bIns="60960" rtlCol="0" anchor="t">
-            <a:normAutofit/>
-          </a:bodyPr>
-          <a:lstStyle/>
-          <a:p>
-            <a:r>
-              <a:rPr lang="en-US" dirty="0"/>
-              <a:t>QLoRA</a:t>
-            </a:r>
-          </a:p>
-        </p:txBody>
-      </p:sp>
-      <mc:AlternateContent xmlns:mc="http://schemas.openxmlformats.org/markup-compatibility/2006" xmlns:a14="http://schemas.microsoft.com/office/drawing/2010/main">
-        <mc:Choice Requires="a14">
-          <p:sp>
-            <p:nvSpPr>
-              <p:cNvPr id="4" name="Text Placeholder 3">
-                <a:extLst>
-                  <a:ext uri="{FF2B5EF4-FFF2-40B4-BE49-F238E27FC236}">
-                    <a16:creationId xmlns:a16="http://schemas.microsoft.com/office/drawing/2014/main" id="{946EB935-2C1C-D6BD-009A-BDA8835A11F8}"/>
-                  </a:ext>
-                </a:extLst>
-              </p:cNvPr>
-              <p:cNvSpPr>
-                <a:spLocks noGrp="1"/>
-              </p:cNvSpPr>
-              <p:nvPr>
-                <p:ph type="body" sz="quarter" idx="12"/>
-              </p:nvPr>
-            </p:nvSpPr>
-            <p:spPr>
-              <a:xfrm>
-                <a:off x="503659" y="1272210"/>
-                <a:ext cx="4810464" cy="4589329"/>
-              </a:xfrm>
-            </p:spPr>
-            <p:txBody>
-              <a:bodyPr vert="horz" lIns="121920" tIns="60960" rIns="121920" bIns="60960" rtlCol="0" anchor="t">
-                <a:normAutofit/>
-              </a:bodyPr>
-              <a:lstStyle/>
-              <a:p>
-                <a:r>
-                  <a:rPr lang="en-US" dirty="0">
-                    <a:solidFill>
-                      <a:srgbClr val="404040"/>
-                    </a:solidFill>
-                  </a:rPr>
-                  <a:t>Finetuning a model can be expensive!</a:t>
-                </a:r>
-              </a:p>
-              <a:p>
-                <a:r>
-                  <a:rPr lang="en-US" dirty="0">
-                    <a:solidFill>
-                      <a:srgbClr val="404040"/>
-                    </a:solidFill>
-                  </a:rPr>
-                  <a:t>The new weights are denoted by</a:t>
-                </a:r>
-              </a:p>
-              <a:p>
-                <a:pPr marL="0" indent="0">
-                  <a:buNone/>
-                </a:pPr>
-                <a14:m>
-                  <m:oMathPara xmlns:m="http://schemas.openxmlformats.org/officeDocument/2006/math">
-                    <m:oMathParaPr>
-                      <m:jc m:val="centerGroup"/>
-                    </m:oMathParaPr>
-                    <m:oMath xmlns:m="http://schemas.openxmlformats.org/officeDocument/2006/math">
-                      <m:r>
-                        <a:rPr lang="en-GB" b="0" i="1" smtClean="0">
-                          <a:solidFill>
-                            <a:srgbClr val="404040"/>
-                          </a:solidFill>
-                          <a:latin typeface="Cambria Math" panose="02040503050406030204" pitchFamily="18" charset="0"/>
-                        </a:rPr>
-                        <m:t>𝑊</m:t>
-                      </m:r>
-                      <m:r>
-                        <a:rPr lang="en-GB" b="0" i="1" smtClean="0">
-                          <a:solidFill>
-                            <a:srgbClr val="404040"/>
-                          </a:solidFill>
-                          <a:latin typeface="Cambria Math" panose="02040503050406030204" pitchFamily="18" charset="0"/>
-                        </a:rPr>
-                        <m:t>=</m:t>
-                      </m:r>
-                      <m:sSub>
-                        <m:sSubPr>
-                          <m:ctrlPr>
-                            <a:rPr lang="en-GB" b="0" i="1" smtClean="0">
-                              <a:solidFill>
-                                <a:srgbClr val="404040"/>
-                              </a:solidFill>
-                              <a:latin typeface="Cambria Math" panose="02040503050406030204" pitchFamily="18" charset="0"/>
-                            </a:rPr>
-                          </m:ctrlPr>
-                        </m:sSubPr>
-                        <m:e>
-                          <m:r>
-                            <a:rPr lang="en-GB" b="0" i="1" smtClean="0">
-                              <a:solidFill>
-                                <a:srgbClr val="404040"/>
-                              </a:solidFill>
-                              <a:latin typeface="Cambria Math" panose="02040503050406030204" pitchFamily="18" charset="0"/>
-                            </a:rPr>
-                            <m:t>𝑊</m:t>
-                          </m:r>
-                        </m:e>
-                        <m:sub>
-                          <m:r>
-                            <a:rPr lang="en-GB" b="0" i="1" smtClean="0">
-                              <a:solidFill>
-                                <a:srgbClr val="404040"/>
-                              </a:solidFill>
-                              <a:latin typeface="Cambria Math" panose="02040503050406030204" pitchFamily="18" charset="0"/>
-                            </a:rPr>
-                            <m:t>0</m:t>
-                          </m:r>
-                        </m:sub>
-                      </m:sSub>
-                      <m:r>
-                        <a:rPr lang="en-GB" b="0" i="1" smtClean="0">
-                          <a:solidFill>
-                            <a:srgbClr val="404040"/>
-                          </a:solidFill>
-                          <a:latin typeface="Cambria Math" panose="02040503050406030204" pitchFamily="18" charset="0"/>
-                        </a:rPr>
-                        <m:t>+</m:t>
-                      </m:r>
-                      <m:r>
-                        <m:rPr>
-                          <m:sty m:val="p"/>
-                        </m:rPr>
-                        <a:rPr lang="en-GB" b="0" i="0" smtClean="0">
-                          <a:solidFill>
-                            <a:srgbClr val="404040"/>
-                          </a:solidFill>
-                          <a:latin typeface="Cambria Math" panose="02040503050406030204" pitchFamily="18" charset="0"/>
-                        </a:rPr>
-                        <m:t>Δ</m:t>
-                      </m:r>
-                      <m:r>
-                        <a:rPr lang="en-GB" b="0" i="1" smtClean="0">
-                          <a:solidFill>
-                            <a:srgbClr val="404040"/>
-                          </a:solidFill>
-                          <a:latin typeface="Cambria Math" panose="02040503050406030204" pitchFamily="18" charset="0"/>
-                        </a:rPr>
-                        <m:t>𝑊</m:t>
-                      </m:r>
-                    </m:oMath>
-                  </m:oMathPara>
-                </a14:m>
-                <a:endParaRPr lang="en-US" dirty="0">
-                  <a:solidFill>
-                    <a:srgbClr val="404040"/>
-                  </a:solidFill>
-                </a:endParaRPr>
-              </a:p>
-              <a:p>
-                <a:r>
-                  <a:rPr lang="en-US" dirty="0">
-                    <a:solidFill>
-                      <a:srgbClr val="404040"/>
-                    </a:solidFill>
-                  </a:rPr>
-                  <a:t>The difference between the pretrained weights and finetuned weights, </a:t>
-                </a:r>
-                <a14:m>
-                  <m:oMath xmlns:m="http://schemas.openxmlformats.org/officeDocument/2006/math">
-                    <m:r>
-                      <m:rPr>
-                        <m:sty m:val="p"/>
-                      </m:rPr>
-                      <a:rPr lang="en-GB" b="0" i="0" smtClean="0">
-                        <a:solidFill>
-                          <a:srgbClr val="404040"/>
-                        </a:solidFill>
-                        <a:latin typeface="Cambria Math" panose="02040503050406030204" pitchFamily="18" charset="0"/>
-                      </a:rPr>
-                      <m:t>Δ</m:t>
-                    </m:r>
-                    <m:r>
-                      <a:rPr lang="en-GB" b="0" i="1" smtClean="0">
-                        <a:solidFill>
-                          <a:srgbClr val="404040"/>
-                        </a:solidFill>
-                        <a:latin typeface="Cambria Math" panose="02040503050406030204" pitchFamily="18" charset="0"/>
-                      </a:rPr>
-                      <m:t>𝑊</m:t>
-                    </m:r>
-                  </m:oMath>
-                </a14:m>
-                <a:r>
-                  <a:rPr lang="en-US" dirty="0">
-                    <a:solidFill>
-                      <a:srgbClr val="404040"/>
-                    </a:solidFill>
-                  </a:rPr>
-                  <a:t>, is small and has low rank.</a:t>
-                </a:r>
-              </a:p>
-              <a:p>
-                <a:r>
-                  <a:rPr lang="en-US" dirty="0">
-                    <a:solidFill>
-                      <a:srgbClr val="404040"/>
-                    </a:solidFill>
-                  </a:rPr>
-                  <a:t>Approximate </a:t>
-                </a:r>
-                <a14:m>
-                  <m:oMath xmlns:m="http://schemas.openxmlformats.org/officeDocument/2006/math">
-                    <m:r>
-                      <m:rPr>
-                        <m:sty m:val="p"/>
-                      </m:rPr>
-                      <a:rPr lang="en-GB" b="0" i="0" smtClean="0">
-                        <a:solidFill>
-                          <a:srgbClr val="404040"/>
-                        </a:solidFill>
-                        <a:latin typeface="Cambria Math" panose="02040503050406030204" pitchFamily="18" charset="0"/>
-                      </a:rPr>
-                      <m:t>Δ</m:t>
-                    </m:r>
-                    <m:r>
-                      <a:rPr lang="en-GB" b="0" i="1" smtClean="0">
-                        <a:solidFill>
-                          <a:srgbClr val="404040"/>
-                        </a:solidFill>
-                        <a:latin typeface="Cambria Math" panose="02040503050406030204" pitchFamily="18" charset="0"/>
-                      </a:rPr>
-                      <m:t>𝑊</m:t>
-                    </m:r>
-                  </m:oMath>
-                </a14:m>
-                <a:r>
-                  <a:rPr lang="en-US" dirty="0">
-                    <a:solidFill>
-                      <a:srgbClr val="404040"/>
-                    </a:solidFill>
-                  </a:rPr>
-                  <a:t> by two low rank matrices that you can train instead.</a:t>
-                </a:r>
-              </a:p>
-              <a:p>
-                <a:r>
-                  <a:rPr lang="en-US" dirty="0">
-                    <a:solidFill>
-                      <a:srgbClr val="404040"/>
-                    </a:solidFill>
-                  </a:rPr>
-                  <a:t>Each attention module has 4 matrices to train, and the final layers are usually fixed.</a:t>
-                </a:r>
-              </a:p>
-              <a:p>
-                <a:r>
-                  <a:rPr lang="en-US" dirty="0">
-                    <a:solidFill>
-                      <a:srgbClr val="404040"/>
-                    </a:solidFill>
-                  </a:rPr>
-                  <a:t>Massively decreases the training cost, with minimal loss of performance.</a:t>
-                </a:r>
-              </a:p>
-            </p:txBody>
-          </p:sp>
-        </mc:Choice>
-        <mc:Fallback xmlns="">
-          <p:sp>
-            <p:nvSpPr>
-              <p:cNvPr id="4" name="Text Placeholder 3">
-                <a:extLst>
-                  <a:ext uri="{FF2B5EF4-FFF2-40B4-BE49-F238E27FC236}">
-                    <a16:creationId xmlns:a16="http://schemas.microsoft.com/office/drawing/2014/main" id="{946EB935-2C1C-D6BD-009A-BDA8835A11F8}"/>
-                  </a:ext>
-                </a:extLst>
-              </p:cNvPr>
-              <p:cNvSpPr>
-                <a:spLocks noGrp="1" noRot="1" noChangeAspect="1" noMove="1" noResize="1" noEditPoints="1" noAdjustHandles="1" noChangeArrowheads="1" noChangeShapeType="1" noTextEdit="1"/>
-              </p:cNvSpPr>
-              <p:nvPr>
-                <p:ph type="body" sz="quarter" idx="12"/>
-              </p:nvPr>
-            </p:nvSpPr>
-            <p:spPr>
-              <a:xfrm>
-                <a:off x="503659" y="1272210"/>
-                <a:ext cx="4810464" cy="4589329"/>
-              </a:xfrm>
-              <a:blipFill>
-                <a:blip r:embed="rId3"/>
-                <a:stretch>
-                  <a:fillRect t="-829"/>
-                </a:stretch>
-              </a:blipFill>
-            </p:spPr>
-            <p:txBody>
-              <a:bodyPr/>
-              <a:lstStyle/>
-              <a:p>
-                <a:r>
-                  <a:rPr lang="en-US">
-                    <a:noFill/>
-                  </a:rPr>
-                  <a:t> </a:t>
-                </a:r>
-              </a:p>
-            </p:txBody>
-          </p:sp>
-        </mc:Fallback>
-      </mc:AlternateContent>
-      <p:pic>
-        <p:nvPicPr>
-          <p:cNvPr id="3" name="Picture 2">
-            <a:extLst>
-              <a:ext uri="{FF2B5EF4-FFF2-40B4-BE49-F238E27FC236}">
-                <a16:creationId xmlns:a16="http://schemas.microsoft.com/office/drawing/2014/main" id="{E5502F85-8D03-5885-ACA9-3569827D74C5}"/>
-              </a:ext>
-            </a:extLst>
-          </p:cNvPr>
-          <p:cNvPicPr>
-            <a:picLocks noChangeAspect="1"/>
-          </p:cNvPicPr>
-          <p:nvPr/>
-        </p:nvPicPr>
-        <p:blipFill>
-          <a:blip r:embed="rId4"/>
-          <a:stretch>
-            <a:fillRect/>
-          </a:stretch>
-        </p:blipFill>
-        <p:spPr>
-          <a:xfrm>
-            <a:off x="5987864" y="1272210"/>
-            <a:ext cx="4521641" cy="4321789"/>
-          </a:xfrm>
-          <a:prstGeom prst="rect">
-            <a:avLst/>
-          </a:prstGeom>
-        </p:spPr>
-      </p:pic>
-    </p:spTree>
-    <p:extLst>
-      <p:ext uri="{BB962C8B-B14F-4D97-AF65-F5344CB8AC3E}">
-        <p14:creationId xmlns:p14="http://schemas.microsoft.com/office/powerpoint/2010/main" val="1189276769"/>
       </p:ext>
     </p:extLst>
   </p:cSld>
